--- a/English/6.Visuals/5.The Scatter.pptx
+++ b/English/6.Visuals/5.The Scatter.pptx
@@ -21,7 +21,7 @@
   <p:notesSz cx="6858000" cy="9144000"/>
   <p:defaultTextStyle>
     <a:defPPr>
-      <a:defRPr lang="en-US"/>
+      <a:defRPr lang="en"/>
     </a:defPPr>
     <a:lvl1pPr marL="0" algn="l" defTabSz="914400" rtl="0" eaLnBrk="1" latinLnBrk="0" hangingPunct="1">
       <a:defRPr sz="1800" kern="1200">
@@ -204,7 +204,7 @@
           <a:p>
             <a:fld id="{056BA3B8-9F76-4D81-B71D-76CB85363062}" type="datetimeFigureOut">
               <a:rPr lang="en-US" smtClean="0"/>
-              <a:t>1/4/2025</a:t>
+              <a:t>4/3/2025</a:t>
             </a:fld>
             <a:endParaRPr lang="en-US"/>
           </a:p>
@@ -603,7 +603,7 @@
           <a:p>
             <a:fld id="{6F01DA4D-20EA-48D2-973C-0311EC3005D6}" type="datetimeFigureOut">
               <a:rPr lang="en-US" smtClean="0"/>
-              <a:t>1/4/2025</a:t>
+              <a:t>4/3/2025</a:t>
             </a:fld>
             <a:endParaRPr lang="en-US"/>
           </a:p>
@@ -773,7 +773,7 @@
           <a:p>
             <a:fld id="{6F01DA4D-20EA-48D2-973C-0311EC3005D6}" type="datetimeFigureOut">
               <a:rPr lang="en-US" smtClean="0"/>
-              <a:t>1/4/2025</a:t>
+              <a:t>4/3/2025</a:t>
             </a:fld>
             <a:endParaRPr lang="en-US"/>
           </a:p>
@@ -953,7 +953,7 @@
           <a:p>
             <a:fld id="{6F01DA4D-20EA-48D2-973C-0311EC3005D6}" type="datetimeFigureOut">
               <a:rPr lang="en-US" smtClean="0"/>
-              <a:t>1/4/2025</a:t>
+              <a:t>4/3/2025</a:t>
             </a:fld>
             <a:endParaRPr lang="en-US"/>
           </a:p>
@@ -1123,7 +1123,7 @@
           <a:p>
             <a:fld id="{6F01DA4D-20EA-48D2-973C-0311EC3005D6}" type="datetimeFigureOut">
               <a:rPr lang="en-US" smtClean="0"/>
-              <a:t>1/4/2025</a:t>
+              <a:t>4/3/2025</a:t>
             </a:fld>
             <a:endParaRPr lang="en-US"/>
           </a:p>
@@ -1369,7 +1369,7 @@
           <a:p>
             <a:fld id="{6F01DA4D-20EA-48D2-973C-0311EC3005D6}" type="datetimeFigureOut">
               <a:rPr lang="en-US" smtClean="0"/>
-              <a:t>1/4/2025</a:t>
+              <a:t>4/3/2025</a:t>
             </a:fld>
             <a:endParaRPr lang="en-US"/>
           </a:p>
@@ -1601,7 +1601,7 @@
           <a:p>
             <a:fld id="{6F01DA4D-20EA-48D2-973C-0311EC3005D6}" type="datetimeFigureOut">
               <a:rPr lang="en-US" smtClean="0"/>
-              <a:t>1/4/2025</a:t>
+              <a:t>4/3/2025</a:t>
             </a:fld>
             <a:endParaRPr lang="en-US"/>
           </a:p>
@@ -1968,7 +1968,7 @@
           <a:p>
             <a:fld id="{6F01DA4D-20EA-48D2-973C-0311EC3005D6}" type="datetimeFigureOut">
               <a:rPr lang="en-US" smtClean="0"/>
-              <a:t>1/4/2025</a:t>
+              <a:t>4/3/2025</a:t>
             </a:fld>
             <a:endParaRPr lang="en-US"/>
           </a:p>
@@ -2086,7 +2086,7 @@
           <a:p>
             <a:fld id="{6F01DA4D-20EA-48D2-973C-0311EC3005D6}" type="datetimeFigureOut">
               <a:rPr lang="en-US" smtClean="0"/>
-              <a:t>1/4/2025</a:t>
+              <a:t>4/3/2025</a:t>
             </a:fld>
             <a:endParaRPr lang="en-US"/>
           </a:p>
@@ -2181,7 +2181,7 @@
           <a:p>
             <a:fld id="{6F01DA4D-20EA-48D2-973C-0311EC3005D6}" type="datetimeFigureOut">
               <a:rPr lang="en-US" smtClean="0"/>
-              <a:t>1/4/2025</a:t>
+              <a:t>4/3/2025</a:t>
             </a:fld>
             <a:endParaRPr lang="en-US"/>
           </a:p>
@@ -2458,7 +2458,7 @@
           <a:p>
             <a:fld id="{6F01DA4D-20EA-48D2-973C-0311EC3005D6}" type="datetimeFigureOut">
               <a:rPr lang="en-US" smtClean="0"/>
-              <a:t>1/4/2025</a:t>
+              <a:t>4/3/2025</a:t>
             </a:fld>
             <a:endParaRPr lang="en-US"/>
           </a:p>
@@ -2711,7 +2711,7 @@
           <a:p>
             <a:fld id="{6F01DA4D-20EA-48D2-973C-0311EC3005D6}" type="datetimeFigureOut">
               <a:rPr lang="en-US" smtClean="0"/>
-              <a:t>1/4/2025</a:t>
+              <a:t>4/3/2025</a:t>
             </a:fld>
             <a:endParaRPr lang="en-US"/>
           </a:p>
@@ -2924,7 +2924,7 @@
           <a:p>
             <a:fld id="{6F01DA4D-20EA-48D2-973C-0311EC3005D6}" type="datetimeFigureOut">
               <a:rPr lang="en-US" smtClean="0"/>
-              <a:t>1/4/2025</a:t>
+              <a:t>4/3/2025</a:t>
             </a:fld>
             <a:endParaRPr lang="en-US"/>
           </a:p>
@@ -3360,7 +3360,7 @@
           <a:lstStyle/>
           <a:p>
             <a:r>
-              <a:rPr lang="fr-FR" sz="8000" b="1" dirty="0" smtClean="0">
+              <a:rPr lang="en" sz="8000" b="1" dirty="0" smtClean="0">
                 <a:solidFill>
                   <a:srgbClr val="7030A0"/>
                 </a:solidFill>
@@ -3371,7 +3371,7 @@
               <a:t>The </a:t>
             </a:r>
             <a:r>
-              <a:rPr lang="fr-FR" sz="8000" b="1" dirty="0" err="1">
+              <a:rPr lang="en" sz="8000" b="1" dirty="0" smtClean="0">
                 <a:solidFill>
                   <a:srgbClr val="7030A0"/>
                 </a:solidFill>
@@ -3379,18 +3379,7 @@
                 <a:ea typeface="Verdana" panose="020B0604030504040204" pitchFamily="34" charset="0"/>
                 <a:cs typeface="Segoe UI" panose="020B0502040204020203" pitchFamily="34" charset="0"/>
               </a:rPr>
-              <a:t>S</a:t>
-            </a:r>
-            <a:r>
-              <a:rPr lang="fr-FR" sz="8000" b="1" dirty="0" err="1" smtClean="0">
-                <a:solidFill>
-                  <a:srgbClr val="7030A0"/>
-                </a:solidFill>
-                <a:latin typeface="Segoe UI" panose="020B0502040204020203" pitchFamily="34" charset="0"/>
-                <a:ea typeface="Verdana" panose="020B0604030504040204" pitchFamily="34" charset="0"/>
-                <a:cs typeface="Segoe UI" panose="020B0502040204020203" pitchFamily="34" charset="0"/>
-              </a:rPr>
-              <a:t>catter</a:t>
+              <a:t>Scatter</a:t>
             </a:r>
             <a:endParaRPr lang="en-US" sz="8000" b="1" dirty="0">
               <a:solidFill>
@@ -3411,7 +3400,7 @@
         </p:nvSpPr>
         <p:spPr>
           <a:xfrm>
-            <a:off x="3083532" y="2629587"/>
+            <a:off x="3144263" y="2622713"/>
             <a:ext cx="5862231" cy="1323439"/>
           </a:xfrm>
           <a:prstGeom prst="rect">
@@ -3426,7 +3415,7 @@
           <a:lstStyle/>
           <a:p>
             <a:r>
-              <a:rPr lang="fr-FR" sz="8000" b="1" dirty="0" smtClean="0">
+              <a:rPr lang="en" sz="8000" b="1" dirty="0" smtClean="0">
                 <a:solidFill>
                   <a:schemeClr val="bg1"/>
                 </a:solidFill>
@@ -3437,7 +3426,7 @@
               <a:t>The </a:t>
             </a:r>
             <a:r>
-              <a:rPr lang="fr-FR" sz="8000" b="1" dirty="0" err="1">
+              <a:rPr lang="en" sz="8000" b="1" dirty="0" smtClean="0">
                 <a:solidFill>
                   <a:schemeClr val="bg1"/>
                 </a:solidFill>
@@ -3445,18 +3434,7 @@
                 <a:ea typeface="Verdana" panose="020B0604030504040204" pitchFamily="34" charset="0"/>
                 <a:cs typeface="Segoe UI" panose="020B0502040204020203" pitchFamily="34" charset="0"/>
               </a:rPr>
-              <a:t>S</a:t>
-            </a:r>
-            <a:r>
-              <a:rPr lang="fr-FR" sz="8000" b="1" dirty="0" err="1" smtClean="0">
-                <a:solidFill>
-                  <a:schemeClr val="bg1"/>
-                </a:solidFill>
-                <a:latin typeface="Segoe UI" panose="020B0502040204020203" pitchFamily="34" charset="0"/>
-                <a:ea typeface="Verdana" panose="020B0604030504040204" pitchFamily="34" charset="0"/>
-                <a:cs typeface="Segoe UI" panose="020B0502040204020203" pitchFamily="34" charset="0"/>
-              </a:rPr>
-              <a:t>catter</a:t>
+              <a:t>Scatter</a:t>
             </a:r>
             <a:endParaRPr lang="en-US" sz="8000" b="1" dirty="0">
               <a:solidFill>
@@ -3522,11 +3500,11 @@
           <a:lstStyle/>
           <a:p>
             <a:r>
-              <a:rPr lang="en-US" sz="2400" dirty="0" smtClean="0">
+              <a:rPr lang="en" sz="2400" dirty="0" smtClean="0">
                 <a:latin typeface="Segoe UI" panose="020B0502040204020203" pitchFamily="34" charset="0"/>
                 <a:cs typeface="Segoe UI" panose="020B0502040204020203" pitchFamily="34" charset="0"/>
               </a:rPr>
-              <a:t>The Scatter</a:t>
+              <a:t>The dispersion</a:t>
             </a:r>
             <a:endParaRPr lang="en-US" sz="2400" dirty="0">
               <a:latin typeface="Segoe UI" panose="020B0502040204020203" pitchFamily="34" charset="0"/>
@@ -3568,7 +3546,7 @@
               </a:spcAft>
             </a:pPr>
             <a:r>
-              <a:rPr lang="fr-FR" b="1" kern="0" dirty="0">
+              <a:rPr lang="en" b="1" kern="0" dirty="0">
                 <a:latin typeface="Segoe UI" panose="020B0502040204020203" pitchFamily="34" charset="0"/>
                 <a:ea typeface="Times New Roman" panose="02020603050405020304" pitchFamily="18" charset="0"/>
                 <a:cs typeface="Times New Roman" panose="02020603050405020304" pitchFamily="18" charset="0"/>
@@ -3576,15 +3554,15 @@
               <a:t>Note: </a:t>
             </a:r>
             <a:r>
-              <a:rPr lang="fr-FR" kern="0" dirty="0">
+              <a:rPr lang="en" kern="0" dirty="0">
                 <a:latin typeface="Segoe UI" panose="020B0502040204020203" pitchFamily="34" charset="0"/>
                 <a:ea typeface="Times New Roman" panose="02020603050405020304" pitchFamily="18" charset="0"/>
                 <a:cs typeface="Times New Roman" panose="02020603050405020304" pitchFamily="18" charset="0"/>
               </a:rPr>
-              <a:t>The data </a:t>
-            </a:r>
-            <a:r>
-              <a:rPr lang="fr-FR" kern="0" dirty="0" err="1" smtClean="0">
+              <a:t>Data </a:t>
+            </a:r>
+            <a:r>
+              <a:rPr lang="en" kern="0" dirty="0" err="1" smtClean="0">
                 <a:latin typeface="Segoe UI" panose="020B0502040204020203" pitchFamily="34" charset="0"/>
                 <a:ea typeface="Times New Roman" panose="02020603050405020304" pitchFamily="18" charset="0"/>
                 <a:cs typeface="Times New Roman" panose="02020603050405020304" pitchFamily="18" charset="0"/>
@@ -3592,7 +3570,7 @@
               <a:t>is</a:t>
             </a:r>
             <a:r>
-              <a:rPr lang="fr-FR" kern="0" dirty="0" smtClean="0">
+              <a:rPr lang="en" kern="0" dirty="0" smtClean="0">
                 <a:latin typeface="Segoe UI" panose="020B0502040204020203" pitchFamily="34" charset="0"/>
                 <a:ea typeface="Times New Roman" panose="02020603050405020304" pitchFamily="18" charset="0"/>
                 <a:cs typeface="Times New Roman" panose="02020603050405020304" pitchFamily="18" charset="0"/>
@@ -3600,15 +3578,15 @@
               <a:t> </a:t>
             </a:r>
             <a:r>
-              <a:rPr lang="fr-FR" kern="0" dirty="0" err="1" smtClean="0">
+              <a:rPr lang="en" kern="0" dirty="0" err="1" smtClean="0">
                 <a:latin typeface="Segoe UI" panose="020B0502040204020203" pitchFamily="34" charset="0"/>
                 <a:ea typeface="Times New Roman" panose="02020603050405020304" pitchFamily="18" charset="0"/>
                 <a:cs typeface="Times New Roman" panose="02020603050405020304" pitchFamily="18" charset="0"/>
               </a:rPr>
-              <a:t>from</a:t>
-            </a:r>
-            <a:r>
-              <a:rPr lang="fr-FR" kern="0" dirty="0" smtClean="0">
+              <a:t>Since</a:t>
+            </a:r>
+            <a:r>
+              <a:rPr lang="en" kern="0" dirty="0" smtClean="0">
                 <a:latin typeface="Segoe UI" panose="020B0502040204020203" pitchFamily="34" charset="0"/>
                 <a:ea typeface="Times New Roman" panose="02020603050405020304" pitchFamily="18" charset="0"/>
                 <a:cs typeface="Times New Roman" panose="02020603050405020304" pitchFamily="18" charset="0"/>
@@ -3616,7 +3594,7 @@
               <a:t> </a:t>
             </a:r>
             <a:r>
-              <a:rPr lang="fr-FR" b="1" kern="0" dirty="0" smtClean="0">
+              <a:rPr lang="en" b="1" kern="0" dirty="0" smtClean="0">
                 <a:latin typeface="Segoe UI" panose="020B0502040204020203" pitchFamily="34" charset="0"/>
                 <a:ea typeface="Times New Roman" panose="02020603050405020304" pitchFamily="18" charset="0"/>
                 <a:cs typeface="Times New Roman" panose="02020603050405020304" pitchFamily="18" charset="0"/>
@@ -3624,12 +3602,12 @@
               <a:t>AdventureWorksDW2016 </a:t>
             </a:r>
             <a:r>
-              <a:rPr lang="fr-FR" kern="0" dirty="0" err="1" smtClean="0">
+              <a:rPr lang="en" kern="0" dirty="0" err="1" smtClean="0">
                 <a:latin typeface="Segoe UI" panose="020B0502040204020203" pitchFamily="34" charset="0"/>
                 <a:ea typeface="Times New Roman" panose="02020603050405020304" pitchFamily="18" charset="0"/>
                 <a:cs typeface="Times New Roman" panose="02020603050405020304" pitchFamily="18" charset="0"/>
               </a:rPr>
-              <a:t>database</a:t>
+              <a:t>Database</a:t>
             </a:r>
             <a:endParaRPr lang="en-US" sz="2800" b="1" kern="0" dirty="0">
               <a:effectLst/>
@@ -3670,28 +3648,12 @@
               </a:spcAft>
             </a:pPr>
             <a:r>
-              <a:rPr lang="en-US" dirty="0" smtClean="0">
+              <a:rPr lang="en" dirty="0" smtClean="0">
                 <a:latin typeface="Segoe UI" panose="020B0502040204020203" pitchFamily="34" charset="0"/>
                 <a:ea typeface="Calibri" panose="020F0502020204030204" pitchFamily="34" charset="0"/>
                 <a:cs typeface="Times New Roman" panose="02020603050405020304" pitchFamily="18" charset="0"/>
               </a:rPr>
-              <a:t>Add a</a:t>
-            </a:r>
-            <a:r>
-              <a:rPr lang="en-US" b="1" dirty="0" smtClean="0">
-                <a:latin typeface="Segoe UI" panose="020B0502040204020203" pitchFamily="34" charset="0"/>
-                <a:ea typeface="Calibri" panose="020F0502020204030204" pitchFamily="34" charset="0"/>
-                <a:cs typeface="Times New Roman" panose="02020603050405020304" pitchFamily="18" charset="0"/>
-              </a:rPr>
-              <a:t> Scatter </a:t>
-            </a:r>
-            <a:r>
-              <a:rPr lang="en-US" dirty="0" smtClean="0">
-                <a:latin typeface="Segoe UI" panose="020B0502040204020203" pitchFamily="34" charset="0"/>
-                <a:ea typeface="Calibri" panose="020F0502020204030204" pitchFamily="34" charset="0"/>
-                <a:cs typeface="Times New Roman" panose="02020603050405020304" pitchFamily="18" charset="0"/>
-              </a:rPr>
-              <a:t>Visual to Scene Level</a:t>
+              <a:t>Add a </a:t>
             </a:r>
             <a:endParaRPr lang="en-US" sz="1400" dirty="0">
               <a:effectLst/>
@@ -3794,11 +3756,11 @@
           <a:lstStyle/>
           <a:p>
             <a:r>
-              <a:rPr lang="en-US" sz="2400" dirty="0" smtClean="0">
+              <a:rPr lang="en" sz="2400" dirty="0" smtClean="0">
                 <a:latin typeface="Segoe UI" panose="020B0502040204020203" pitchFamily="34" charset="0"/>
                 <a:cs typeface="Segoe UI" panose="020B0502040204020203" pitchFamily="34" charset="0"/>
               </a:rPr>
-              <a:t>The Scatter</a:t>
+              <a:t>The dispersion</a:t>
             </a:r>
             <a:endParaRPr lang="en-US" sz="2400" dirty="0">
               <a:latin typeface="Segoe UI" panose="020B0502040204020203" pitchFamily="34" charset="0"/>
@@ -3837,15 +3799,15 @@
               </a:spcAft>
             </a:pPr>
             <a:r>
-              <a:rPr lang="en-US" dirty="0" smtClean="0">
+              <a:rPr lang="en" dirty="0" smtClean="0">
                 <a:latin typeface="Segoe UI" panose="020B0502040204020203" pitchFamily="34" charset="0"/>
                 <a:ea typeface="Calibri" panose="020F0502020204030204" pitchFamily="34" charset="0"/>
                 <a:cs typeface="Times New Roman" panose="02020603050405020304" pitchFamily="18" charset="0"/>
               </a:rPr>
-              <a:t>To use the Scatter, you need to have two variables or two measures to use in this case it is </a:t>
-            </a:r>
-            <a:r>
-              <a:rPr lang="en-US" b="1" dirty="0" err="1" smtClean="0">
+              <a:t>To use Scatter you need to have two variables or two measures to use in this case it is </a:t>
+            </a:r>
+            <a:r>
+              <a:rPr lang="en" b="1" dirty="0" err="1" smtClean="0">
                 <a:latin typeface="Segoe UI" panose="020B0502040204020203" pitchFamily="34" charset="0"/>
                 <a:ea typeface="Calibri" panose="020F0502020204030204" pitchFamily="34" charset="0"/>
                 <a:cs typeface="Times New Roman" panose="02020603050405020304" pitchFamily="18" charset="0"/>
@@ -3853,7 +3815,7 @@
               <a:t>SalesAmount</a:t>
             </a:r>
             <a:r>
-              <a:rPr lang="en-US" b="1" dirty="0" smtClean="0">
+              <a:rPr lang="en" b="1" dirty="0" smtClean="0">
                 <a:latin typeface="Segoe UI" panose="020B0502040204020203" pitchFamily="34" charset="0"/>
                 <a:ea typeface="Calibri" panose="020F0502020204030204" pitchFamily="34" charset="0"/>
                 <a:cs typeface="Times New Roman" panose="02020603050405020304" pitchFamily="18" charset="0"/>
@@ -3861,7 +3823,7 @@
               <a:t> </a:t>
             </a:r>
             <a:r>
-              <a:rPr lang="en-US" dirty="0" smtClean="0">
+              <a:rPr lang="en" dirty="0" smtClean="0">
                 <a:latin typeface="Segoe UI" panose="020B0502040204020203" pitchFamily="34" charset="0"/>
                 <a:ea typeface="Calibri" panose="020F0502020204030204" pitchFamily="34" charset="0"/>
                 <a:cs typeface="Times New Roman" panose="02020603050405020304" pitchFamily="18" charset="0"/>
@@ -3869,7 +3831,7 @@
               <a:t>and </a:t>
             </a:r>
             <a:r>
-              <a:rPr lang="en-US" b="1" dirty="0" err="1" smtClean="0">
+              <a:rPr lang="en" b="1" dirty="0" err="1" smtClean="0">
                 <a:latin typeface="Segoe UI" panose="020B0502040204020203" pitchFamily="34" charset="0"/>
                 <a:ea typeface="Calibri" panose="020F0502020204030204" pitchFamily="34" charset="0"/>
                 <a:cs typeface="Times New Roman" panose="02020603050405020304" pitchFamily="18" charset="0"/>
@@ -3877,7 +3839,7 @@
               <a:t>TotalProductCost</a:t>
             </a:r>
             <a:r>
-              <a:rPr lang="en-US" b="1" dirty="0" smtClean="0">
+              <a:rPr lang="en" b="1" dirty="0" smtClean="0">
                 <a:latin typeface="Segoe UI" panose="020B0502040204020203" pitchFamily="34" charset="0"/>
                 <a:ea typeface="Calibri" panose="020F0502020204030204" pitchFamily="34" charset="0"/>
                 <a:cs typeface="Times New Roman" panose="02020603050405020304" pitchFamily="18" charset="0"/>
@@ -3885,15 +3847,15 @@
               <a:t> </a:t>
             </a:r>
             <a:r>
-              <a:rPr lang="en-US" dirty="0" smtClean="0">
+              <a:rPr lang="en" dirty="0" smtClean="0">
                 <a:latin typeface="Segoe UI" panose="020B0502040204020203" pitchFamily="34" charset="0"/>
                 <a:ea typeface="Calibri" panose="020F0502020204030204" pitchFamily="34" charset="0"/>
                 <a:cs typeface="Times New Roman" panose="02020603050405020304" pitchFamily="18" charset="0"/>
               </a:rPr>
-              <a:t>from the </a:t>
-            </a:r>
-            <a:r>
-              <a:rPr lang="en-US" b="1" dirty="0" err="1" smtClean="0">
+              <a:t>from </a:t>
+            </a:r>
+            <a:r>
+              <a:rPr lang="en" b="1" dirty="0" err="1" smtClean="0">
                 <a:latin typeface="Segoe UI" panose="020B0502040204020203" pitchFamily="34" charset="0"/>
                 <a:ea typeface="Calibri" panose="020F0502020204030204" pitchFamily="34" charset="0"/>
                 <a:cs typeface="Times New Roman" panose="02020603050405020304" pitchFamily="18" charset="0"/>
@@ -3901,7 +3863,7 @@
               <a:t>FactInternetSales</a:t>
             </a:r>
             <a:r>
-              <a:rPr lang="en-US" b="1" dirty="0" smtClean="0">
+              <a:rPr lang="en" b="1" dirty="0" smtClean="0">
                 <a:latin typeface="Segoe UI" panose="020B0502040204020203" pitchFamily="34" charset="0"/>
                 <a:ea typeface="Calibri" panose="020F0502020204030204" pitchFamily="34" charset="0"/>
                 <a:cs typeface="Times New Roman" panose="02020603050405020304" pitchFamily="18" charset="0"/>
@@ -3909,15 +3871,15 @@
               <a:t> </a:t>
             </a:r>
             <a:r>
-              <a:rPr lang="en-US" dirty="0" smtClean="0">
+              <a:rPr lang="en" dirty="0" smtClean="0">
                 <a:latin typeface="Segoe UI" panose="020B0502040204020203" pitchFamily="34" charset="0"/>
                 <a:ea typeface="Calibri" panose="020F0502020204030204" pitchFamily="34" charset="0"/>
                 <a:cs typeface="Times New Roman" panose="02020603050405020304" pitchFamily="18" charset="0"/>
               </a:rPr>
-              <a:t>table</a:t>
-            </a:r>
-            <a:r>
-              <a:rPr lang="en-US" b="1" dirty="0" smtClean="0">
+              <a:t>painting </a:t>
+            </a:r>
+            <a:r>
+              <a:rPr lang="en" b="1" dirty="0" smtClean="0">
                 <a:latin typeface="Segoe UI" panose="020B0502040204020203" pitchFamily="34" charset="0"/>
                 <a:ea typeface="Calibri" panose="020F0502020204030204" pitchFamily="34" charset="0"/>
                 <a:cs typeface="Times New Roman" panose="02020603050405020304" pitchFamily="18" charset="0"/>
@@ -3925,12 +3887,12 @@
               <a:t> </a:t>
             </a:r>
             <a:r>
-              <a:rPr lang="en-US" dirty="0" smtClean="0">
+              <a:rPr lang="en" dirty="0" smtClean="0">
                 <a:latin typeface="Segoe UI" panose="020B0502040204020203" pitchFamily="34" charset="0"/>
                 <a:ea typeface="Calibri" panose="020F0502020204030204" pitchFamily="34" charset="0"/>
                 <a:cs typeface="Times New Roman" panose="02020603050405020304" pitchFamily="18" charset="0"/>
               </a:rPr>
-              <a:t>we add them respectively at the X and Y axes</a:t>
+              <a:t>we add them respectively on the X and Y axes</a:t>
             </a:r>
             <a:endParaRPr lang="en-US" sz="1400" dirty="0">
               <a:effectLst/>
@@ -4067,11 +4029,11 @@
           <a:lstStyle/>
           <a:p>
             <a:r>
-              <a:rPr lang="en-US" sz="2400" dirty="0" smtClean="0">
+              <a:rPr lang="en" sz="2400" dirty="0" smtClean="0">
                 <a:latin typeface="Segoe UI" panose="020B0502040204020203" pitchFamily="34" charset="0"/>
                 <a:cs typeface="Segoe UI" panose="020B0502040204020203" pitchFamily="34" charset="0"/>
               </a:rPr>
-              <a:t>The Scatter</a:t>
+              <a:t>The dispersion</a:t>
             </a:r>
             <a:endParaRPr lang="en-US" sz="2400" dirty="0">
               <a:latin typeface="Segoe UI" panose="020B0502040204020203" pitchFamily="34" charset="0"/>
@@ -4110,12 +4072,12 @@
               </a:spcAft>
             </a:pPr>
             <a:r>
-              <a:rPr lang="en-US" dirty="0" smtClean="0">
+              <a:rPr lang="en" dirty="0" smtClean="0">
                 <a:latin typeface="Segoe UI" panose="020B0502040204020203" pitchFamily="34" charset="0"/>
                 <a:ea typeface="Calibri" panose="020F0502020204030204" pitchFamily="34" charset="0"/>
                 <a:cs typeface="Times New Roman" panose="02020603050405020304" pitchFamily="18" charset="0"/>
               </a:rPr>
-              <a:t>You need to disable aggregation for one or both measures to get the figure below</a:t>
+              <a:t>You need to turn off aggregation for one or both metrics to get the number below</a:t>
             </a:r>
             <a:endParaRPr lang="en-US" sz="1400" dirty="0">
               <a:effectLst/>
@@ -4252,11 +4214,11 @@
           <a:lstStyle/>
           <a:p>
             <a:r>
-              <a:rPr lang="en-US" sz="2400" dirty="0" smtClean="0">
+              <a:rPr lang="en" sz="2400" dirty="0" smtClean="0">
                 <a:latin typeface="Segoe UI" panose="020B0502040204020203" pitchFamily="34" charset="0"/>
                 <a:cs typeface="Segoe UI" panose="020B0502040204020203" pitchFamily="34" charset="0"/>
               </a:rPr>
-              <a:t>The Scatter</a:t>
+              <a:t>The dispersion</a:t>
             </a:r>
             <a:endParaRPr lang="en-US" sz="2400" dirty="0">
               <a:latin typeface="Segoe UI" panose="020B0502040204020203" pitchFamily="34" charset="0"/>
@@ -4295,20 +4257,12 @@
               </a:spcAft>
             </a:pPr>
             <a:r>
-              <a:rPr lang="en-US" dirty="0" smtClean="0">
+              <a:rPr lang="en" dirty="0" smtClean="0">
                 <a:latin typeface="Segoe UI" panose="020B0502040204020203" pitchFamily="34" charset="0"/>
                 <a:ea typeface="Calibri" panose="020F0502020204030204" pitchFamily="34" charset="0"/>
                 <a:cs typeface="Times New Roman" panose="02020603050405020304" pitchFamily="18" charset="0"/>
               </a:rPr>
-              <a:t>N</a:t>
-            </a:r>
-            <a:r>
-              <a:rPr lang="en-US" dirty="0" smtClean="0">
-                <a:latin typeface="Segoe UI" panose="020B0502040204020203" pitchFamily="34" charset="0"/>
-                <a:ea typeface="Calibri" panose="020F0502020204030204" pitchFamily="34" charset="0"/>
-                <a:cs typeface="Times New Roman" panose="02020603050405020304" pitchFamily="18" charset="0"/>
-              </a:rPr>
-              <a:t>ote that the reading of the data is still not conclusive.</a:t>
+              <a:t>It should be noted that the reading of the data is still not conclusive.</a:t>
             </a:r>
             <a:endParaRPr lang="en-US" sz="1400" dirty="0">
               <a:latin typeface="Calibri" panose="020F0502020204030204" pitchFamily="34" charset="0"/>
@@ -4348,7 +4302,7 @@
               </a:spcAft>
             </a:pPr>
             <a:r>
-              <a:rPr lang="en-US" dirty="0" smtClean="0">
+              <a:rPr lang="en" dirty="0" smtClean="0">
                 <a:latin typeface="Segoe UI" panose="020B0502040204020203" pitchFamily="34" charset="0"/>
                 <a:ea typeface="Calibri" panose="020F0502020204030204" pitchFamily="34" charset="0"/>
                 <a:cs typeface="Times New Roman" panose="02020603050405020304" pitchFamily="18" charset="0"/>
@@ -4356,15 +4310,15 @@
               <a:t>Add </a:t>
             </a:r>
             <a:r>
-              <a:rPr lang="en-US" b="1" dirty="0" smtClean="0">
+              <a:rPr lang="en" b="1" dirty="0" smtClean="0">
                 <a:latin typeface="Segoe UI" panose="020B0502040204020203" pitchFamily="34" charset="0"/>
                 <a:ea typeface="Calibri" panose="020F0502020204030204" pitchFamily="34" charset="0"/>
                 <a:cs typeface="Times New Roman" panose="02020603050405020304" pitchFamily="18" charset="0"/>
               </a:rPr>
-              <a:t>Class </a:t>
-            </a:r>
-            <a:r>
-              <a:rPr lang="en-US" dirty="0" smtClean="0">
+              <a:t>a class </a:t>
+            </a:r>
+            <a:r>
+              <a:rPr lang="en" dirty="0" smtClean="0">
                 <a:latin typeface="Segoe UI" panose="020B0502040204020203" pitchFamily="34" charset="0"/>
                 <a:ea typeface="Calibri" panose="020F0502020204030204" pitchFamily="34" charset="0"/>
                 <a:cs typeface="Times New Roman" panose="02020603050405020304" pitchFamily="18" charset="0"/>
@@ -4372,7 +4326,7 @@
               <a:t>from</a:t>
             </a:r>
             <a:r>
-              <a:rPr lang="en-US" b="1" dirty="0" smtClean="0">
+              <a:rPr lang="en" b="1" dirty="0" smtClean="0">
                 <a:latin typeface="Segoe UI" panose="020B0502040204020203" pitchFamily="34" charset="0"/>
                 <a:ea typeface="Calibri" panose="020F0502020204030204" pitchFamily="34" charset="0"/>
                 <a:cs typeface="Times New Roman" panose="02020603050405020304" pitchFamily="18" charset="0"/>
@@ -4380,7 +4334,7 @@
               <a:t> </a:t>
             </a:r>
             <a:r>
-              <a:rPr lang="en-US" b="1" dirty="0" err="1" smtClean="0">
+              <a:rPr lang="en" b="1" dirty="0" err="1" smtClean="0">
                 <a:latin typeface="Segoe UI" panose="020B0502040204020203" pitchFamily="34" charset="0"/>
                 <a:ea typeface="Calibri" panose="020F0502020204030204" pitchFamily="34" charset="0"/>
                 <a:cs typeface="Times New Roman" panose="02020603050405020304" pitchFamily="18" charset="0"/>
@@ -4388,7 +4342,7 @@
               <a:t>DimProduct</a:t>
             </a:r>
             <a:r>
-              <a:rPr lang="en-US" b="1" dirty="0" smtClean="0">
+              <a:rPr lang="en" b="1" dirty="0" smtClean="0">
                 <a:latin typeface="Segoe UI" panose="020B0502040204020203" pitchFamily="34" charset="0"/>
                 <a:ea typeface="Calibri" panose="020F0502020204030204" pitchFamily="34" charset="0"/>
                 <a:cs typeface="Times New Roman" panose="02020603050405020304" pitchFamily="18" charset="0"/>
@@ -4396,28 +4350,28 @@
               <a:t> </a:t>
             </a:r>
             <a:r>
-              <a:rPr lang="en-US" dirty="0" smtClean="0">
+              <a:rPr lang="en" dirty="0" smtClean="0">
                 <a:latin typeface="Segoe UI" panose="020B0502040204020203" pitchFamily="34" charset="0"/>
                 <a:ea typeface="Calibri" panose="020F0502020204030204" pitchFamily="34" charset="0"/>
                 <a:cs typeface="Times New Roman" panose="02020603050405020304" pitchFamily="18" charset="0"/>
               </a:rPr>
-              <a:t>table to </a:t>
-            </a:r>
-            <a:r>
-              <a:rPr lang="en-US" b="1" dirty="0" smtClean="0">
+              <a:t>table at </a:t>
+            </a:r>
+            <a:r>
+              <a:rPr lang="en" b="1" dirty="0" smtClean="0">
                 <a:latin typeface="Segoe UI" panose="020B0502040204020203" pitchFamily="34" charset="0"/>
                 <a:ea typeface="Calibri" panose="020F0502020204030204" pitchFamily="34" charset="0"/>
                 <a:cs typeface="Times New Roman" panose="02020603050405020304" pitchFamily="18" charset="0"/>
               </a:rPr>
-              <a:t>Legend </a:t>
-            </a:r>
-            <a:r>
-              <a:rPr lang="en-US" dirty="0" smtClean="0">
+              <a:t>the legend level </a:t>
+            </a:r>
+            <a:r>
+              <a:rPr lang="en" dirty="0" smtClean="0">
                 <a:latin typeface="Segoe UI" panose="020B0502040204020203" pitchFamily="34" charset="0"/>
                 <a:ea typeface="Calibri" panose="020F0502020204030204" pitchFamily="34" charset="0"/>
                 <a:cs typeface="Times New Roman" panose="02020603050405020304" pitchFamily="18" charset="0"/>
               </a:rPr>
-              <a:t>level and aggregate both measures again</a:t>
+              <a:t>and aggregate the two measures again</a:t>
             </a:r>
             <a:endParaRPr lang="en-US" sz="1400" dirty="0">
               <a:latin typeface="Calibri" panose="020F0502020204030204" pitchFamily="34" charset="0"/>
@@ -4514,11 +4468,11 @@
           <a:lstStyle/>
           <a:p>
             <a:r>
-              <a:rPr lang="en-US" sz="2400" dirty="0" smtClean="0">
+              <a:rPr lang="en" sz="2400" dirty="0" smtClean="0">
                 <a:latin typeface="Segoe UI" panose="020B0502040204020203" pitchFamily="34" charset="0"/>
                 <a:cs typeface="Segoe UI" panose="020B0502040204020203" pitchFamily="34" charset="0"/>
               </a:rPr>
-              <a:t>The Scatter</a:t>
+              <a:t>The dispersion</a:t>
             </a:r>
             <a:endParaRPr lang="en-US" sz="2400" dirty="0">
               <a:latin typeface="Segoe UI" panose="020B0502040204020203" pitchFamily="34" charset="0"/>
@@ -4557,95 +4511,95 @@
               </a:spcAft>
             </a:pPr>
             <a:r>
-              <a:rPr lang="en-US" dirty="0" smtClean="0">
+              <a:rPr lang="en" b="1" dirty="0" err="1" smtClean="0">
                 <a:latin typeface="Segoe UI" panose="020B0502040204020203" pitchFamily="34" charset="0"/>
                 <a:ea typeface="Calibri" panose="020F0502020204030204" pitchFamily="34" charset="0"/>
                 <a:cs typeface="Times New Roman" panose="02020603050405020304" pitchFamily="18" charset="0"/>
               </a:rPr>
-              <a:t>Substitute </a:t>
-            </a:r>
-            <a:r>
-              <a:rPr lang="en-US" b="1" dirty="0" smtClean="0">
+              <a:t>DimProduct </a:t>
+            </a:r>
+            <a:r>
+              <a:rPr lang="en" dirty="0" smtClean="0">
                 <a:latin typeface="Segoe UI" panose="020B0502040204020203" pitchFamily="34" charset="0"/>
                 <a:ea typeface="Calibri" panose="020F0502020204030204" pitchFamily="34" charset="0"/>
                 <a:cs typeface="Times New Roman" panose="02020603050405020304" pitchFamily="18" charset="0"/>
               </a:rPr>
-              <a:t>Class </a:t>
-            </a:r>
-            <a:r>
-              <a:rPr lang="en-US" dirty="0" smtClean="0">
+              <a:t>replacement </a:t>
+            </a:r>
+            <a:r>
+              <a:rPr lang="en" b="1" dirty="0" smtClean="0">
                 <a:latin typeface="Segoe UI" panose="020B0502040204020203" pitchFamily="34" charset="0"/>
                 <a:ea typeface="Calibri" panose="020F0502020204030204" pitchFamily="34" charset="0"/>
                 <a:cs typeface="Times New Roman" panose="02020603050405020304" pitchFamily="18" charset="0"/>
               </a:rPr>
-              <a:t>from </a:t>
-            </a:r>
-            <a:r>
-              <a:rPr lang="en-US" b="1" dirty="0" err="1" smtClean="0">
+              <a:t>class </a:t>
+            </a:r>
+            <a:r>
+              <a:rPr lang="en" dirty="0" smtClean="0">
                 <a:latin typeface="Segoe UI" panose="020B0502040204020203" pitchFamily="34" charset="0"/>
                 <a:ea typeface="Calibri" panose="020F0502020204030204" pitchFamily="34" charset="0"/>
                 <a:cs typeface="Times New Roman" panose="02020603050405020304" pitchFamily="18" charset="0"/>
               </a:rPr>
-              <a:t>DimProduct</a:t>
-            </a:r>
-            <a:r>
-              <a:rPr lang="en-US" b="1" dirty="0" smtClean="0">
+              <a:t>with </a:t>
+            </a:r>
+            <a:r>
+              <a:rPr lang="en" b="1" dirty="0" smtClean="0">
                 <a:latin typeface="Segoe UI" panose="020B0502040204020203" pitchFamily="34" charset="0"/>
                 <a:ea typeface="Calibri" panose="020F0502020204030204" pitchFamily="34" charset="0"/>
                 <a:cs typeface="Times New Roman" panose="02020603050405020304" pitchFamily="18" charset="0"/>
               </a:rPr>
-              <a:t> </a:t>
-            </a:r>
-            <a:r>
-              <a:rPr lang="en-US" dirty="0" smtClean="0">
+              <a:t>gender</a:t>
+            </a:r>
+            <a:r>
+              <a:rPr lang="en" dirty="0" smtClean="0">
                 <a:latin typeface="Segoe UI" panose="020B0502040204020203" pitchFamily="34" charset="0"/>
                 <a:ea typeface="Calibri" panose="020F0502020204030204" pitchFamily="34" charset="0"/>
                 <a:cs typeface="Times New Roman" panose="02020603050405020304" pitchFamily="18" charset="0"/>
               </a:rPr>
-              <a:t>with </a:t>
-            </a:r>
-            <a:r>
-              <a:rPr lang="en-US" b="1" dirty="0" smtClean="0">
+              <a:t> </a:t>
+            </a:r>
+            <a:r>
+              <a:rPr lang="en" b="1" dirty="0" smtClean="0">
                 <a:latin typeface="Segoe UI" panose="020B0502040204020203" pitchFamily="34" charset="0"/>
                 <a:ea typeface="Calibri" panose="020F0502020204030204" pitchFamily="34" charset="0"/>
                 <a:cs typeface="Times New Roman" panose="02020603050405020304" pitchFamily="18" charset="0"/>
               </a:rPr>
-              <a:t>Gender</a:t>
-            </a:r>
-            <a:r>
-              <a:rPr lang="en-US" dirty="0" smtClean="0">
+              <a:t> </a:t>
+            </a:r>
+            <a:r>
+              <a:rPr lang="en" dirty="0" smtClean="0">
                 <a:latin typeface="Segoe UI" panose="020B0502040204020203" pitchFamily="34" charset="0"/>
                 <a:ea typeface="Calibri" panose="020F0502020204030204" pitchFamily="34" charset="0"/>
                 <a:cs typeface="Times New Roman" panose="02020603050405020304" pitchFamily="18" charset="0"/>
               </a:rPr>
-              <a:t> </a:t>
-            </a:r>
-            <a:r>
-              <a:rPr lang="en-US" b="1" dirty="0" smtClean="0">
+              <a:t>from </a:t>
+            </a:r>
+            <a:r>
+              <a:rPr lang="en" b="1" dirty="0" err="1" smtClean="0">
                 <a:latin typeface="Segoe UI" panose="020B0502040204020203" pitchFamily="34" charset="0"/>
                 <a:ea typeface="Calibri" panose="020F0502020204030204" pitchFamily="34" charset="0"/>
                 <a:cs typeface="Times New Roman" panose="02020603050405020304" pitchFamily="18" charset="0"/>
               </a:rPr>
-              <a:t> </a:t>
-            </a:r>
-            <a:r>
-              <a:rPr lang="en-US" dirty="0" smtClean="0">
+              <a:t>DimCustomer</a:t>
+            </a:r>
+            <a:r>
+              <a:rPr lang="en" b="1" dirty="0" smtClean="0">
                 <a:latin typeface="Segoe UI" panose="020B0502040204020203" pitchFamily="34" charset="0"/>
                 <a:ea typeface="Calibri" panose="020F0502020204030204" pitchFamily="34" charset="0"/>
                 <a:cs typeface="Times New Roman" panose="02020603050405020304" pitchFamily="18" charset="0"/>
               </a:rPr>
-              <a:t>from the </a:t>
-            </a:r>
-            <a:r>
-              <a:rPr lang="en-US" b="1" dirty="0" err="1" smtClean="0">
+              <a:t> </a:t>
+            </a:r>
+            <a:r>
+              <a:rPr lang="en" dirty="0" smtClean="0">
                 <a:latin typeface="Segoe UI" panose="020B0502040204020203" pitchFamily="34" charset="0"/>
                 <a:ea typeface="Calibri" panose="020F0502020204030204" pitchFamily="34" charset="0"/>
                 <a:cs typeface="Times New Roman" panose="02020603050405020304" pitchFamily="18" charset="0"/>
               </a:rPr>
-              <a:t>DimCustomer</a:t>
-            </a:r>
-            <a:r>
-              <a:rPr lang="en-US" b="1" dirty="0" smtClean="0">
+              <a:t>painting </a:t>
+            </a:r>
+            <a:r>
+              <a:rPr lang="en" b="1" dirty="0" smtClean="0">
                 <a:latin typeface="Segoe UI" panose="020B0502040204020203" pitchFamily="34" charset="0"/>
                 <a:ea typeface="Calibri" panose="020F0502020204030204" pitchFamily="34" charset="0"/>
                 <a:cs typeface="Times New Roman" panose="02020603050405020304" pitchFamily="18" charset="0"/>
@@ -4653,28 +4607,12 @@
               <a:t> </a:t>
             </a:r>
             <a:r>
-              <a:rPr lang="en-US" dirty="0" smtClean="0">
+              <a:rPr lang="en" dirty="0" smtClean="0">
                 <a:latin typeface="Segoe UI" panose="020B0502040204020203" pitchFamily="34" charset="0"/>
                 <a:ea typeface="Calibri" panose="020F0502020204030204" pitchFamily="34" charset="0"/>
                 <a:cs typeface="Times New Roman" panose="02020603050405020304" pitchFamily="18" charset="0"/>
               </a:rPr>
-              <a:t>table</a:t>
-            </a:r>
-            <a:r>
-              <a:rPr lang="en-US" b="1" dirty="0" smtClean="0">
-                <a:latin typeface="Segoe UI" panose="020B0502040204020203" pitchFamily="34" charset="0"/>
-                <a:ea typeface="Calibri" panose="020F0502020204030204" pitchFamily="34" charset="0"/>
-                <a:cs typeface="Times New Roman" panose="02020603050405020304" pitchFamily="18" charset="0"/>
-              </a:rPr>
-              <a:t> </a:t>
-            </a:r>
-            <a:r>
-              <a:rPr lang="en-US" dirty="0" smtClean="0">
-                <a:latin typeface="Segoe UI" panose="020B0502040204020203" pitchFamily="34" charset="0"/>
-                <a:ea typeface="Calibri" panose="020F0502020204030204" pitchFamily="34" charset="0"/>
-                <a:cs typeface="Times New Roman" panose="02020603050405020304" pitchFamily="18" charset="0"/>
-              </a:rPr>
-              <a:t>and observe especially the outliers</a:t>
+              <a:t>and pay particular attention to outliers</a:t>
             </a:r>
             <a:endParaRPr lang="en-US" sz="1400" dirty="0">
               <a:latin typeface="Calibri" panose="020F0502020204030204" pitchFamily="34" charset="0"/>
@@ -4771,11 +4709,11 @@
           <a:lstStyle/>
           <a:p>
             <a:r>
-              <a:rPr lang="en-US" sz="2400" dirty="0" smtClean="0">
+              <a:rPr lang="en" sz="2400" dirty="0" smtClean="0">
                 <a:latin typeface="Segoe UI" panose="020B0502040204020203" pitchFamily="34" charset="0"/>
                 <a:cs typeface="Segoe UI" panose="020B0502040204020203" pitchFamily="34" charset="0"/>
               </a:rPr>
-              <a:t>The Scatter</a:t>
+              <a:t>The dispersion</a:t>
             </a:r>
             <a:endParaRPr lang="en-US" sz="2400" dirty="0">
               <a:latin typeface="Segoe UI" panose="020B0502040204020203" pitchFamily="34" charset="0"/>
@@ -4814,28 +4752,28 @@
               </a:spcAft>
             </a:pPr>
             <a:r>
-              <a:rPr lang="en-US" dirty="0" smtClean="0">
+              <a:rPr lang="en" dirty="0" smtClean="0">
                 <a:latin typeface="Segoe UI" panose="020B0502040204020203" pitchFamily="34" charset="0"/>
                 <a:ea typeface="Calibri" panose="020F0502020204030204" pitchFamily="34" charset="0"/>
                 <a:cs typeface="Times New Roman" panose="02020603050405020304" pitchFamily="18" charset="0"/>
               </a:rPr>
-              <a:t>Try to activate </a:t>
-            </a:r>
-            <a:r>
-              <a:rPr lang="en-US" b="1" dirty="0" smtClean="0">
+              <a:t>Try enabling </a:t>
+            </a:r>
+            <a:r>
+              <a:rPr lang="en" b="1" dirty="0" smtClean="0">
                 <a:latin typeface="Segoe UI" panose="020B0502040204020203" pitchFamily="34" charset="0"/>
                 <a:ea typeface="Calibri" panose="020F0502020204030204" pitchFamily="34" charset="0"/>
                 <a:cs typeface="Times New Roman" panose="02020603050405020304" pitchFamily="18" charset="0"/>
               </a:rPr>
-              <a:t>Trend line </a:t>
-            </a:r>
-            <a:r>
-              <a:rPr lang="en-US" dirty="0" smtClean="0">
+              <a:t>the trend line </a:t>
+            </a:r>
+            <a:r>
+              <a:rPr lang="en" dirty="0" smtClean="0">
                 <a:latin typeface="Segoe UI" panose="020B0502040204020203" pitchFamily="34" charset="0"/>
                 <a:ea typeface="Calibri" panose="020F0502020204030204" pitchFamily="34" charset="0"/>
                 <a:cs typeface="Times New Roman" panose="02020603050405020304" pitchFamily="18" charset="0"/>
               </a:rPr>
-              <a:t> from  Analytics</a:t>
+              <a:t>from Analytics</a:t>
             </a:r>
             <a:endParaRPr lang="en-US" sz="1400" dirty="0">
               <a:latin typeface="Calibri" panose="020F0502020204030204" pitchFamily="34" charset="0"/>
@@ -4998,7 +4936,7 @@
         </p:nvSpPr>
         <p:spPr>
           <a:xfrm>
-            <a:off x="2916199" y="2162433"/>
+            <a:off x="2730569" y="2547443"/>
             <a:ext cx="6230360" cy="1569660"/>
           </a:xfrm>
           <a:prstGeom prst="rect">
@@ -5042,7 +4980,7 @@
         </p:nvSpPr>
         <p:spPr>
           <a:xfrm>
-            <a:off x="2990336" y="2217861"/>
+            <a:off x="2804706" y="2602871"/>
             <a:ext cx="6230360" cy="1569660"/>
           </a:xfrm>
           <a:prstGeom prst="rect">

--- a/English/6.Visuals/5.The Scatter.pptx
+++ b/English/6.Visuals/5.The Scatter.pptx
@@ -11,10 +11,10 @@
     <p:sldId id="256" r:id="rId2"/>
     <p:sldId id="257" r:id="rId3"/>
     <p:sldId id="259" r:id="rId4"/>
-    <p:sldId id="261" r:id="rId5"/>
+    <p:sldId id="260" r:id="rId5"/>
     <p:sldId id="262" r:id="rId6"/>
-    <p:sldId id="266" r:id="rId7"/>
-    <p:sldId id="267" r:id="rId8"/>
+    <p:sldId id="263" r:id="rId7"/>
+    <p:sldId id="264" r:id="rId8"/>
     <p:sldId id="258" r:id="rId9"/>
   </p:sldIdLst>
   <p:sldSz cx="12192000" cy="6858000"/>
@@ -204,7 +204,7 @@
           <a:p>
             <a:fld id="{056BA3B8-9F76-4D81-B71D-76CB85363062}" type="datetimeFigureOut">
               <a:rPr lang="en-US" smtClean="0"/>
-              <a:t>4/3/2025</a:t>
+              <a:t>4/6/2025</a:t>
             </a:fld>
             <a:endParaRPr lang="en-US"/>
           </a:p>
@@ -472,6 +472,258 @@
 </p:notesMaster>
 </file>
 
+<file path=ppt/notesSlides/notesSlide1.xml><?xml version="1.0" encoding="utf-8"?>
+<p:notes xmlns:a="http://schemas.openxmlformats.org/drawingml/2006/main" xmlns:r="http://schemas.openxmlformats.org/officeDocument/2006/relationships" xmlns:p="http://schemas.openxmlformats.org/presentationml/2006/main">
+  <p:cSld>
+    <p:spTree>
+      <p:nvGrpSpPr>
+        <p:cNvPr id="1" name=""/>
+        <p:cNvGrpSpPr/>
+        <p:nvPr/>
+      </p:nvGrpSpPr>
+      <p:grpSpPr>
+        <a:xfrm>
+          <a:off x="0" y="0"/>
+          <a:ext cx="0" cy="0"/>
+          <a:chOff x="0" y="0"/>
+          <a:chExt cx="0" cy="0"/>
+        </a:xfrm>
+      </p:grpSpPr>
+      <p:sp>
+        <p:nvSpPr>
+          <p:cNvPr id="2" name="Slide Image Placeholder 1"/>
+          <p:cNvSpPr>
+            <a:spLocks noGrp="1" noRot="1" noChangeAspect="1"/>
+          </p:cNvSpPr>
+          <p:nvPr>
+            <p:ph type="sldImg"/>
+          </p:nvPr>
+        </p:nvSpPr>
+        <p:spPr/>
+      </p:sp>
+      <p:sp>
+        <p:nvSpPr>
+          <p:cNvPr id="3" name="Notes Placeholder 2"/>
+          <p:cNvSpPr>
+            <a:spLocks noGrp="1"/>
+          </p:cNvSpPr>
+          <p:nvPr>
+            <p:ph type="body" idx="1"/>
+          </p:nvPr>
+        </p:nvSpPr>
+        <p:spPr/>
+        <p:txBody>
+          <a:bodyPr/>
+          <a:lstStyle/>
+          <a:p>
+            <a:endParaRPr lang="en-US" dirty="0"/>
+          </a:p>
+        </p:txBody>
+      </p:sp>
+      <p:sp>
+        <p:nvSpPr>
+          <p:cNvPr id="4" name="Slide Number Placeholder 3"/>
+          <p:cNvSpPr>
+            <a:spLocks noGrp="1"/>
+          </p:cNvSpPr>
+          <p:nvPr>
+            <p:ph type="sldNum" sz="quarter" idx="10"/>
+          </p:nvPr>
+        </p:nvSpPr>
+        <p:spPr/>
+        <p:txBody>
+          <a:bodyPr/>
+          <a:lstStyle/>
+          <a:p>
+            <a:fld id="{C583D03D-12F8-4E91-BBC2-CE3A863157FF}" type="slidenum">
+              <a:rPr lang="en-US" smtClean="0"/>
+              <a:t>5</a:t>
+            </a:fld>
+            <a:endParaRPr lang="en-US"/>
+          </a:p>
+        </p:txBody>
+      </p:sp>
+    </p:spTree>
+    <p:extLst>
+      <p:ext uri="{BB962C8B-B14F-4D97-AF65-F5344CB8AC3E}">
+        <p14:creationId xmlns:p14="http://schemas.microsoft.com/office/powerpoint/2010/main" val="4076892918"/>
+      </p:ext>
+    </p:extLst>
+  </p:cSld>
+  <p:clrMapOvr>
+    <a:masterClrMapping/>
+  </p:clrMapOvr>
+</p:notes>
+</file>
+
+<file path=ppt/notesSlides/notesSlide2.xml><?xml version="1.0" encoding="utf-8"?>
+<p:notes xmlns:a="http://schemas.openxmlformats.org/drawingml/2006/main" xmlns:r="http://schemas.openxmlformats.org/officeDocument/2006/relationships" xmlns:p="http://schemas.openxmlformats.org/presentationml/2006/main">
+  <p:cSld>
+    <p:spTree>
+      <p:nvGrpSpPr>
+        <p:cNvPr id="1" name=""/>
+        <p:cNvGrpSpPr/>
+        <p:nvPr/>
+      </p:nvGrpSpPr>
+      <p:grpSpPr>
+        <a:xfrm>
+          <a:off x="0" y="0"/>
+          <a:ext cx="0" cy="0"/>
+          <a:chOff x="0" y="0"/>
+          <a:chExt cx="0" cy="0"/>
+        </a:xfrm>
+      </p:grpSpPr>
+      <p:sp>
+        <p:nvSpPr>
+          <p:cNvPr id="2" name="Slide Image Placeholder 1"/>
+          <p:cNvSpPr>
+            <a:spLocks noGrp="1" noRot="1" noChangeAspect="1"/>
+          </p:cNvSpPr>
+          <p:nvPr>
+            <p:ph type="sldImg"/>
+          </p:nvPr>
+        </p:nvSpPr>
+        <p:spPr/>
+      </p:sp>
+      <p:sp>
+        <p:nvSpPr>
+          <p:cNvPr id="3" name="Notes Placeholder 2"/>
+          <p:cNvSpPr>
+            <a:spLocks noGrp="1"/>
+          </p:cNvSpPr>
+          <p:nvPr>
+            <p:ph type="body" idx="1"/>
+          </p:nvPr>
+        </p:nvSpPr>
+        <p:spPr/>
+        <p:txBody>
+          <a:bodyPr/>
+          <a:lstStyle/>
+          <a:p>
+            <a:endParaRPr lang="en-US" dirty="0"/>
+          </a:p>
+        </p:txBody>
+      </p:sp>
+      <p:sp>
+        <p:nvSpPr>
+          <p:cNvPr id="4" name="Slide Number Placeholder 3"/>
+          <p:cNvSpPr>
+            <a:spLocks noGrp="1"/>
+          </p:cNvSpPr>
+          <p:nvPr>
+            <p:ph type="sldNum" sz="quarter" idx="10"/>
+          </p:nvPr>
+        </p:nvSpPr>
+        <p:spPr/>
+        <p:txBody>
+          <a:bodyPr/>
+          <a:lstStyle/>
+          <a:p>
+            <a:fld id="{C583D03D-12F8-4E91-BBC2-CE3A863157FF}" type="slidenum">
+              <a:rPr lang="en-US" smtClean="0"/>
+              <a:t>6</a:t>
+            </a:fld>
+            <a:endParaRPr lang="en-US"/>
+          </a:p>
+        </p:txBody>
+      </p:sp>
+    </p:spTree>
+    <p:extLst>
+      <p:ext uri="{BB962C8B-B14F-4D97-AF65-F5344CB8AC3E}">
+        <p14:creationId xmlns:p14="http://schemas.microsoft.com/office/powerpoint/2010/main" val="1194577273"/>
+      </p:ext>
+    </p:extLst>
+  </p:cSld>
+  <p:clrMapOvr>
+    <a:masterClrMapping/>
+  </p:clrMapOvr>
+</p:notes>
+</file>
+
+<file path=ppt/notesSlides/notesSlide3.xml><?xml version="1.0" encoding="utf-8"?>
+<p:notes xmlns:a="http://schemas.openxmlformats.org/drawingml/2006/main" xmlns:r="http://schemas.openxmlformats.org/officeDocument/2006/relationships" xmlns:p="http://schemas.openxmlformats.org/presentationml/2006/main">
+  <p:cSld>
+    <p:spTree>
+      <p:nvGrpSpPr>
+        <p:cNvPr id="1" name=""/>
+        <p:cNvGrpSpPr/>
+        <p:nvPr/>
+      </p:nvGrpSpPr>
+      <p:grpSpPr>
+        <a:xfrm>
+          <a:off x="0" y="0"/>
+          <a:ext cx="0" cy="0"/>
+          <a:chOff x="0" y="0"/>
+          <a:chExt cx="0" cy="0"/>
+        </a:xfrm>
+      </p:grpSpPr>
+      <p:sp>
+        <p:nvSpPr>
+          <p:cNvPr id="2" name="Slide Image Placeholder 1"/>
+          <p:cNvSpPr>
+            <a:spLocks noGrp="1" noRot="1" noChangeAspect="1"/>
+          </p:cNvSpPr>
+          <p:nvPr>
+            <p:ph type="sldImg"/>
+          </p:nvPr>
+        </p:nvSpPr>
+        <p:spPr/>
+      </p:sp>
+      <p:sp>
+        <p:nvSpPr>
+          <p:cNvPr id="3" name="Notes Placeholder 2"/>
+          <p:cNvSpPr>
+            <a:spLocks noGrp="1"/>
+          </p:cNvSpPr>
+          <p:nvPr>
+            <p:ph type="body" idx="1"/>
+          </p:nvPr>
+        </p:nvSpPr>
+        <p:spPr/>
+        <p:txBody>
+          <a:bodyPr/>
+          <a:lstStyle/>
+          <a:p>
+            <a:endParaRPr lang="en-US" dirty="0"/>
+          </a:p>
+        </p:txBody>
+      </p:sp>
+      <p:sp>
+        <p:nvSpPr>
+          <p:cNvPr id="4" name="Slide Number Placeholder 3"/>
+          <p:cNvSpPr>
+            <a:spLocks noGrp="1"/>
+          </p:cNvSpPr>
+          <p:nvPr>
+            <p:ph type="sldNum" sz="quarter" idx="10"/>
+          </p:nvPr>
+        </p:nvSpPr>
+        <p:spPr/>
+        <p:txBody>
+          <a:bodyPr/>
+          <a:lstStyle/>
+          <a:p>
+            <a:fld id="{C583D03D-12F8-4E91-BBC2-CE3A863157FF}" type="slidenum">
+              <a:rPr lang="en-US" smtClean="0"/>
+              <a:t>7</a:t>
+            </a:fld>
+            <a:endParaRPr lang="en-US"/>
+          </a:p>
+        </p:txBody>
+      </p:sp>
+    </p:spTree>
+    <p:extLst>
+      <p:ext uri="{BB962C8B-B14F-4D97-AF65-F5344CB8AC3E}">
+        <p14:creationId xmlns:p14="http://schemas.microsoft.com/office/powerpoint/2010/main" val="3635597291"/>
+      </p:ext>
+    </p:extLst>
+  </p:cSld>
+  <p:clrMapOvr>
+    <a:masterClrMapping/>
+  </p:clrMapOvr>
+</p:notes>
+</file>
+
 <file path=ppt/slideLayouts/slideLayout1.xml><?xml version="1.0" encoding="utf-8"?>
 <p:sldLayout xmlns:a="http://schemas.openxmlformats.org/drawingml/2006/main" xmlns:r="http://schemas.openxmlformats.org/officeDocument/2006/relationships" xmlns:p="http://schemas.openxmlformats.org/presentationml/2006/main" type="title" preserve="1">
   <p:cSld name="Title Slide">
@@ -603,7 +855,7 @@
           <a:p>
             <a:fld id="{6F01DA4D-20EA-48D2-973C-0311EC3005D6}" type="datetimeFigureOut">
               <a:rPr lang="en-US" smtClean="0"/>
-              <a:t>4/3/2025</a:t>
+              <a:t>4/6/2025</a:t>
             </a:fld>
             <a:endParaRPr lang="en-US"/>
           </a:p>
@@ -773,7 +1025,7 @@
           <a:p>
             <a:fld id="{6F01DA4D-20EA-48D2-973C-0311EC3005D6}" type="datetimeFigureOut">
               <a:rPr lang="en-US" smtClean="0"/>
-              <a:t>4/3/2025</a:t>
+              <a:t>4/6/2025</a:t>
             </a:fld>
             <a:endParaRPr lang="en-US"/>
           </a:p>
@@ -953,7 +1205,7 @@
           <a:p>
             <a:fld id="{6F01DA4D-20EA-48D2-973C-0311EC3005D6}" type="datetimeFigureOut">
               <a:rPr lang="en-US" smtClean="0"/>
-              <a:t>4/3/2025</a:t>
+              <a:t>4/6/2025</a:t>
             </a:fld>
             <a:endParaRPr lang="en-US"/>
           </a:p>
@@ -1123,7 +1375,7 @@
           <a:p>
             <a:fld id="{6F01DA4D-20EA-48D2-973C-0311EC3005D6}" type="datetimeFigureOut">
               <a:rPr lang="en-US" smtClean="0"/>
-              <a:t>4/3/2025</a:t>
+              <a:t>4/6/2025</a:t>
             </a:fld>
             <a:endParaRPr lang="en-US"/>
           </a:p>
@@ -1369,7 +1621,7 @@
           <a:p>
             <a:fld id="{6F01DA4D-20EA-48D2-973C-0311EC3005D6}" type="datetimeFigureOut">
               <a:rPr lang="en-US" smtClean="0"/>
-              <a:t>4/3/2025</a:t>
+              <a:t>4/6/2025</a:t>
             </a:fld>
             <a:endParaRPr lang="en-US"/>
           </a:p>
@@ -1601,7 +1853,7 @@
           <a:p>
             <a:fld id="{6F01DA4D-20EA-48D2-973C-0311EC3005D6}" type="datetimeFigureOut">
               <a:rPr lang="en-US" smtClean="0"/>
-              <a:t>4/3/2025</a:t>
+              <a:t>4/6/2025</a:t>
             </a:fld>
             <a:endParaRPr lang="en-US"/>
           </a:p>
@@ -1968,7 +2220,7 @@
           <a:p>
             <a:fld id="{6F01DA4D-20EA-48D2-973C-0311EC3005D6}" type="datetimeFigureOut">
               <a:rPr lang="en-US" smtClean="0"/>
-              <a:t>4/3/2025</a:t>
+              <a:t>4/6/2025</a:t>
             </a:fld>
             <a:endParaRPr lang="en-US"/>
           </a:p>
@@ -2086,7 +2338,7 @@
           <a:p>
             <a:fld id="{6F01DA4D-20EA-48D2-973C-0311EC3005D6}" type="datetimeFigureOut">
               <a:rPr lang="en-US" smtClean="0"/>
-              <a:t>4/3/2025</a:t>
+              <a:t>4/6/2025</a:t>
             </a:fld>
             <a:endParaRPr lang="en-US"/>
           </a:p>
@@ -2181,7 +2433,7 @@
           <a:p>
             <a:fld id="{6F01DA4D-20EA-48D2-973C-0311EC3005D6}" type="datetimeFigureOut">
               <a:rPr lang="en-US" smtClean="0"/>
-              <a:t>4/3/2025</a:t>
+              <a:t>4/6/2025</a:t>
             </a:fld>
             <a:endParaRPr lang="en-US"/>
           </a:p>
@@ -2458,7 +2710,7 @@
           <a:p>
             <a:fld id="{6F01DA4D-20EA-48D2-973C-0311EC3005D6}" type="datetimeFigureOut">
               <a:rPr lang="en-US" smtClean="0"/>
-              <a:t>4/3/2025</a:t>
+              <a:t>4/6/2025</a:t>
             </a:fld>
             <a:endParaRPr lang="en-US"/>
           </a:p>
@@ -2711,7 +2963,7 @@
           <a:p>
             <a:fld id="{6F01DA4D-20EA-48D2-973C-0311EC3005D6}" type="datetimeFigureOut">
               <a:rPr lang="en-US" smtClean="0"/>
-              <a:t>4/3/2025</a:t>
+              <a:t>4/6/2025</a:t>
             </a:fld>
             <a:endParaRPr lang="en-US"/>
           </a:p>
@@ -2924,7 +3176,7 @@
           <a:p>
             <a:fld id="{6F01DA4D-20EA-48D2-973C-0311EC3005D6}" type="datetimeFigureOut">
               <a:rPr lang="en-US" smtClean="0"/>
-              <a:t>4/3/2025</a:t>
+              <a:t>4/6/2025</a:t>
             </a:fld>
             <a:endParaRPr lang="en-US"/>
           </a:p>
@@ -3368,18 +3620,7 @@
                 <a:ea typeface="Verdana" panose="020B0604030504040204" pitchFamily="34" charset="0"/>
                 <a:cs typeface="Segoe UI" panose="020B0502040204020203" pitchFamily="34" charset="0"/>
               </a:rPr>
-              <a:t>The </a:t>
-            </a:r>
-            <a:r>
-              <a:rPr lang="en" sz="8000" b="1" dirty="0" smtClean="0">
-                <a:solidFill>
-                  <a:srgbClr val="7030A0"/>
-                </a:solidFill>
-                <a:latin typeface="Segoe UI" panose="020B0502040204020203" pitchFamily="34" charset="0"/>
-                <a:ea typeface="Verdana" panose="020B0604030504040204" pitchFamily="34" charset="0"/>
-                <a:cs typeface="Segoe UI" panose="020B0502040204020203" pitchFamily="34" charset="0"/>
-              </a:rPr>
-              <a:t>Scatter</a:t>
+              <a:t>The Scatter</a:t>
             </a:r>
             <a:endParaRPr lang="en-US" sz="8000" b="1" dirty="0">
               <a:solidFill>
@@ -3423,18 +3664,7 @@
                 <a:ea typeface="Verdana" panose="020B0604030504040204" pitchFamily="34" charset="0"/>
                 <a:cs typeface="Segoe UI" panose="020B0502040204020203" pitchFamily="34" charset="0"/>
               </a:rPr>
-              <a:t>The </a:t>
-            </a:r>
-            <a:r>
-              <a:rPr lang="en" sz="8000" b="1" dirty="0" smtClean="0">
-                <a:solidFill>
-                  <a:schemeClr val="bg1"/>
-                </a:solidFill>
-                <a:latin typeface="Segoe UI" panose="020B0502040204020203" pitchFamily="34" charset="0"/>
-                <a:ea typeface="Verdana" panose="020B0604030504040204" pitchFamily="34" charset="0"/>
-                <a:cs typeface="Segoe UI" panose="020B0502040204020203" pitchFamily="34" charset="0"/>
-              </a:rPr>
-              <a:t>Scatter</a:t>
+              <a:t>The Scatter</a:t>
             </a:r>
             <a:endParaRPr lang="en-US" sz="8000" b="1" dirty="0">
               <a:solidFill>
@@ -3455,7 +3685,7 @@
     </p:extLst>
   </p:cSld>
   <p:clrMapOvr>
-    <a:masterClrMapping/>
+    <a:overrideClrMapping bg1="lt1" tx1="dk1" bg2="lt2" tx2="dk2" accent1="accent1" accent2="accent2" accent3="accent3" accent4="accent4" accent5="accent5" accent6="accent6" hlink="hlink" folHlink="folHlink"/>
   </p:clrMapOvr>
 </p:sld>
 </file>
@@ -3463,6 +3693,11 @@
 <file path=ppt/slides/slide2.xml><?xml version="1.0" encoding="utf-8"?>
 <p:sld xmlns:a="http://schemas.openxmlformats.org/drawingml/2006/main" xmlns:r="http://schemas.openxmlformats.org/officeDocument/2006/relationships" xmlns:p="http://schemas.openxmlformats.org/presentationml/2006/main">
   <p:cSld>
+    <p:bg>
+      <p:bgRef idx="1001">
+        <a:schemeClr val="bg1"/>
+      </p:bgRef>
+    </p:bg>
     <p:spTree>
       <p:nvGrpSpPr>
         <p:cNvPr id="1" name=""/>
@@ -3500,11 +3735,11 @@
           <a:lstStyle/>
           <a:p>
             <a:r>
-              <a:rPr lang="en" sz="2400" dirty="0" smtClean="0">
+              <a:rPr lang="en-US" sz="2400" dirty="0" smtClean="0">
                 <a:latin typeface="Segoe UI" panose="020B0502040204020203" pitchFamily="34" charset="0"/>
                 <a:cs typeface="Segoe UI" panose="020B0502040204020203" pitchFamily="34" charset="0"/>
               </a:rPr>
-              <a:t>The dispersion</a:t>
+              <a:t>The Scatter</a:t>
             </a:r>
             <a:endParaRPr lang="en-US" sz="2400" dirty="0">
               <a:latin typeface="Segoe UI" panose="020B0502040204020203" pitchFamily="34" charset="0"/>
@@ -3521,8 +3756,8 @@
         </p:nvSpPr>
         <p:spPr>
           <a:xfrm>
-            <a:off x="492903" y="883338"/>
-            <a:ext cx="6312947" cy="388696"/>
+            <a:off x="492903" y="808162"/>
+            <a:ext cx="6021200" cy="366895"/>
           </a:xfrm>
           <a:prstGeom prst="rect">
             <a:avLst/>
@@ -3554,36 +3789,20 @@
               <a:t>Note: </a:t>
             </a:r>
             <a:r>
-              <a:rPr lang="en" kern="0" dirty="0">
-                <a:latin typeface="Segoe UI" panose="020B0502040204020203" pitchFamily="34" charset="0"/>
-                <a:ea typeface="Times New Roman" panose="02020603050405020304" pitchFamily="18" charset="0"/>
-                <a:cs typeface="Times New Roman" panose="02020603050405020304" pitchFamily="18" charset="0"/>
-              </a:rPr>
-              <a:t>Data </a:t>
-            </a:r>
-            <a:r>
-              <a:rPr lang="en" kern="0" dirty="0" err="1" smtClean="0">
-                <a:latin typeface="Segoe UI" panose="020B0502040204020203" pitchFamily="34" charset="0"/>
-                <a:ea typeface="Times New Roman" panose="02020603050405020304" pitchFamily="18" charset="0"/>
-                <a:cs typeface="Times New Roman" panose="02020603050405020304" pitchFamily="18" charset="0"/>
-              </a:rPr>
-              <a:t>is</a:t>
-            </a:r>
-            <a:r>
               <a:rPr lang="en" kern="0" dirty="0" smtClean="0">
                 <a:latin typeface="Segoe UI" panose="020B0502040204020203" pitchFamily="34" charset="0"/>
                 <a:ea typeface="Times New Roman" panose="02020603050405020304" pitchFamily="18" charset="0"/>
                 <a:cs typeface="Times New Roman" panose="02020603050405020304" pitchFamily="18" charset="0"/>
               </a:rPr>
-              <a:t> </a:t>
-            </a:r>
-            <a:r>
-              <a:rPr lang="en" kern="0" dirty="0" err="1" smtClean="0">
+              <a:t>T</a:t>
+            </a:r>
+            <a:r>
+              <a:rPr lang="en-US" kern="0" dirty="0" smtClean="0">
                 <a:latin typeface="Segoe UI" panose="020B0502040204020203" pitchFamily="34" charset="0"/>
                 <a:ea typeface="Times New Roman" panose="02020603050405020304" pitchFamily="18" charset="0"/>
                 <a:cs typeface="Times New Roman" panose="02020603050405020304" pitchFamily="18" charset="0"/>
               </a:rPr>
-              <a:t>Since</a:t>
+              <a:t>h</a:t>
             </a:r>
             <a:r>
               <a:rPr lang="en" kern="0" dirty="0" smtClean="0">
@@ -3591,7 +3810,7 @@
                 <a:ea typeface="Times New Roman" panose="02020603050405020304" pitchFamily="18" charset="0"/>
                 <a:cs typeface="Times New Roman" panose="02020603050405020304" pitchFamily="18" charset="0"/>
               </a:rPr>
-              <a:t> </a:t>
+              <a:t>is workshop is using </a:t>
             </a:r>
             <a:r>
               <a:rPr lang="en" b="1" kern="0" dirty="0" smtClean="0">
@@ -3599,15 +3818,23 @@
                 <a:ea typeface="Times New Roman" panose="02020603050405020304" pitchFamily="18" charset="0"/>
                 <a:cs typeface="Times New Roman" panose="02020603050405020304" pitchFamily="18" charset="0"/>
               </a:rPr>
-              <a:t>AdventureWorksDW2016 </a:t>
-            </a:r>
-            <a:r>
-              <a:rPr lang="en" kern="0" dirty="0" err="1" smtClean="0">
+              <a:t>Sales.xlsx</a:t>
+            </a:r>
+            <a:r>
+              <a:rPr lang="en" kern="0" dirty="0" smtClean="0">
                 <a:latin typeface="Segoe UI" panose="020B0502040204020203" pitchFamily="34" charset="0"/>
                 <a:ea typeface="Times New Roman" panose="02020603050405020304" pitchFamily="18" charset="0"/>
                 <a:cs typeface="Times New Roman" panose="02020603050405020304" pitchFamily="18" charset="0"/>
               </a:rPr>
-              <a:t>Database</a:t>
+              <a:t> of </a:t>
+            </a:r>
+            <a:r>
+              <a:rPr lang="en" b="1" kern="0" dirty="0" smtClean="0">
+                <a:latin typeface="Segoe UI" panose="020B0502040204020203" pitchFamily="34" charset="0"/>
+                <a:ea typeface="Times New Roman" panose="02020603050405020304" pitchFamily="18" charset="0"/>
+                <a:cs typeface="Times New Roman" panose="02020603050405020304" pitchFamily="18" charset="0"/>
+              </a:rPr>
+              <a:t>Excel Sources</a:t>
             </a:r>
             <a:endParaRPr lang="en-US" sz="2800" b="1" kern="0" dirty="0">
               <a:effectLst/>
@@ -3627,7 +3854,7 @@
         <p:spPr>
           <a:xfrm>
             <a:off x="492903" y="1350850"/>
-            <a:ext cx="3787383" cy="388696"/>
+            <a:ext cx="2917402" cy="388696"/>
           </a:xfrm>
           <a:prstGeom prst="rect">
             <a:avLst/>
@@ -3653,7 +3880,7 @@
                 <a:ea typeface="Calibri" panose="020F0502020204030204" pitchFamily="34" charset="0"/>
                 <a:cs typeface="Times New Roman" panose="02020603050405020304" pitchFamily="18" charset="0"/>
               </a:rPr>
-              <a:t>Add a </a:t>
+              <a:t>Add a Scatter to the scène </a:t>
             </a:r>
             <a:endParaRPr lang="en-US" sz="1400" dirty="0">
               <a:effectLst/>
@@ -3671,7 +3898,7 @@
           <p:nvPr/>
         </p:nvPicPr>
         <p:blipFill>
-          <a:blip r:embed="rId2">
+          <a:blip r:embed="rId3">
             <a:extLst>
               <a:ext uri="{28A0092B-C50C-407E-A947-70E740481C1C}">
                 <a14:useLocalDpi xmlns:a14="http://schemas.microsoft.com/office/drawing/2010/main" val="0"/>
@@ -3711,7 +3938,7 @@
     </p:extLst>
   </p:cSld>
   <p:clrMapOvr>
-    <a:masterClrMapping/>
+    <a:overrideClrMapping bg1="lt1" tx1="dk1" bg2="lt2" tx2="dk2" accent1="accent1" accent2="accent2" accent3="accent3" accent4="accent4" accent5="accent5" accent6="accent6" hlink="hlink" folHlink="folHlink"/>
   </p:clrMapOvr>
 </p:sld>
 </file>
@@ -3719,6 +3946,11 @@
 <file path=ppt/slides/slide3.xml><?xml version="1.0" encoding="utf-8"?>
 <p:sld xmlns:a="http://schemas.openxmlformats.org/drawingml/2006/main" xmlns:r="http://schemas.openxmlformats.org/officeDocument/2006/relationships" xmlns:p="http://schemas.openxmlformats.org/presentationml/2006/main">
   <p:cSld>
+    <p:bg>
+      <p:bgRef idx="1001">
+        <a:schemeClr val="bg1"/>
+      </p:bgRef>
+    </p:bg>
     <p:spTree>
       <p:nvGrpSpPr>
         <p:cNvPr id="1" name=""/>
@@ -3756,11 +3988,11 @@
           <a:lstStyle/>
           <a:p>
             <a:r>
-              <a:rPr lang="en" sz="2400" dirty="0" smtClean="0">
+              <a:rPr lang="en-US" sz="2400" dirty="0" smtClean="0">
                 <a:latin typeface="Segoe UI" panose="020B0502040204020203" pitchFamily="34" charset="0"/>
                 <a:cs typeface="Segoe UI" panose="020B0502040204020203" pitchFamily="34" charset="0"/>
               </a:rPr>
-              <a:t>The dispersion</a:t>
+              <a:t>The Scatter</a:t>
             </a:r>
             <a:endParaRPr lang="en-US" sz="2400" dirty="0">
               <a:latin typeface="Segoe UI" panose="020B0502040204020203" pitchFamily="34" charset="0"/>
@@ -3777,8 +4009,8 @@
         </p:nvSpPr>
         <p:spPr>
           <a:xfrm>
-            <a:off x="442304" y="706925"/>
-            <a:ext cx="11749696" cy="685059"/>
+            <a:off x="414803" y="729797"/>
+            <a:ext cx="9973606" cy="421654"/>
           </a:xfrm>
           <a:prstGeom prst="rect">
             <a:avLst/>
@@ -3790,7 +4022,7 @@
           </a:bodyPr>
           <a:lstStyle/>
           <a:p>
-            <a:pPr lvl="0">
+            <a:pPr>
               <a:lnSpc>
                 <a:spcPct val="107000"/>
               </a:lnSpc>
@@ -3799,102 +4031,34 @@
               </a:spcAft>
             </a:pPr>
             <a:r>
-              <a:rPr lang="en" dirty="0" smtClean="0">
-                <a:latin typeface="Segoe UI" panose="020B0502040204020203" pitchFamily="34" charset="0"/>
-                <a:ea typeface="Calibri" panose="020F0502020204030204" pitchFamily="34" charset="0"/>
-                <a:cs typeface="Times New Roman" panose="02020603050405020304" pitchFamily="18" charset="0"/>
-              </a:rPr>
-              <a:t>To use Scatter you need to have two variables or two measures to use in this case it is </a:t>
-            </a:r>
-            <a:r>
-              <a:rPr lang="en" b="1" dirty="0" err="1" smtClean="0">
-                <a:latin typeface="Segoe UI" panose="020B0502040204020203" pitchFamily="34" charset="0"/>
-                <a:ea typeface="Calibri" panose="020F0502020204030204" pitchFamily="34" charset="0"/>
-                <a:cs typeface="Times New Roman" panose="02020603050405020304" pitchFamily="18" charset="0"/>
-              </a:rPr>
-              <a:t>SalesAmount</a:t>
-            </a:r>
-            <a:r>
-              <a:rPr lang="en" b="1" dirty="0" smtClean="0">
-                <a:latin typeface="Segoe UI" panose="020B0502040204020203" pitchFamily="34" charset="0"/>
-                <a:ea typeface="Calibri" panose="020F0502020204030204" pitchFamily="34" charset="0"/>
-                <a:cs typeface="Times New Roman" panose="02020603050405020304" pitchFamily="18" charset="0"/>
-              </a:rPr>
-              <a:t> </a:t>
-            </a:r>
-            <a:r>
-              <a:rPr lang="en" dirty="0" smtClean="0">
-                <a:latin typeface="Segoe UI" panose="020B0502040204020203" pitchFamily="34" charset="0"/>
-                <a:ea typeface="Calibri" panose="020F0502020204030204" pitchFamily="34" charset="0"/>
-                <a:cs typeface="Times New Roman" panose="02020603050405020304" pitchFamily="18" charset="0"/>
-              </a:rPr>
-              <a:t>and </a:t>
-            </a:r>
-            <a:r>
-              <a:rPr lang="en" b="1" dirty="0" err="1" smtClean="0">
-                <a:latin typeface="Segoe UI" panose="020B0502040204020203" pitchFamily="34" charset="0"/>
-                <a:ea typeface="Calibri" panose="020F0502020204030204" pitchFamily="34" charset="0"/>
-                <a:cs typeface="Times New Roman" panose="02020603050405020304" pitchFamily="18" charset="0"/>
-              </a:rPr>
-              <a:t>TotalProductCost</a:t>
-            </a:r>
-            <a:r>
-              <a:rPr lang="en" b="1" dirty="0" smtClean="0">
-                <a:latin typeface="Segoe UI" panose="020B0502040204020203" pitchFamily="34" charset="0"/>
-                <a:ea typeface="Calibri" panose="020F0502020204030204" pitchFamily="34" charset="0"/>
-                <a:cs typeface="Times New Roman" panose="02020603050405020304" pitchFamily="18" charset="0"/>
-              </a:rPr>
-              <a:t> </a:t>
-            </a:r>
-            <a:r>
-              <a:rPr lang="en" dirty="0" smtClean="0">
-                <a:latin typeface="Segoe UI" panose="020B0502040204020203" pitchFamily="34" charset="0"/>
-                <a:ea typeface="Calibri" panose="020F0502020204030204" pitchFamily="34" charset="0"/>
-                <a:cs typeface="Times New Roman" panose="02020603050405020304" pitchFamily="18" charset="0"/>
-              </a:rPr>
-              <a:t>from </a:t>
-            </a:r>
-            <a:r>
-              <a:rPr lang="en" b="1" dirty="0" err="1" smtClean="0">
-                <a:latin typeface="Segoe UI" panose="020B0502040204020203" pitchFamily="34" charset="0"/>
-                <a:ea typeface="Calibri" panose="020F0502020204030204" pitchFamily="34" charset="0"/>
-                <a:cs typeface="Times New Roman" panose="02020603050405020304" pitchFamily="18" charset="0"/>
-              </a:rPr>
-              <a:t>FactInternetSales</a:t>
-            </a:r>
-            <a:r>
-              <a:rPr lang="en" b="1" dirty="0" smtClean="0">
-                <a:latin typeface="Segoe UI" panose="020B0502040204020203" pitchFamily="34" charset="0"/>
-                <a:ea typeface="Calibri" panose="020F0502020204030204" pitchFamily="34" charset="0"/>
-                <a:cs typeface="Times New Roman" panose="02020603050405020304" pitchFamily="18" charset="0"/>
-              </a:rPr>
-              <a:t> </a:t>
-            </a:r>
-            <a:r>
-              <a:rPr lang="en" dirty="0" smtClean="0">
-                <a:latin typeface="Segoe UI" panose="020B0502040204020203" pitchFamily="34" charset="0"/>
-                <a:ea typeface="Calibri" panose="020F0502020204030204" pitchFamily="34" charset="0"/>
-                <a:cs typeface="Times New Roman" panose="02020603050405020304" pitchFamily="18" charset="0"/>
-              </a:rPr>
-              <a:t>painting </a:t>
-            </a:r>
-            <a:r>
-              <a:rPr lang="en" b="1" dirty="0" smtClean="0">
-                <a:latin typeface="Segoe UI" panose="020B0502040204020203" pitchFamily="34" charset="0"/>
-                <a:ea typeface="Calibri" panose="020F0502020204030204" pitchFamily="34" charset="0"/>
-                <a:cs typeface="Times New Roman" panose="02020603050405020304" pitchFamily="18" charset="0"/>
-              </a:rPr>
-              <a:t> </a:t>
-            </a:r>
-            <a:r>
-              <a:rPr lang="en" dirty="0" smtClean="0">
-                <a:latin typeface="Segoe UI" panose="020B0502040204020203" pitchFamily="34" charset="0"/>
-                <a:ea typeface="Calibri" panose="020F0502020204030204" pitchFamily="34" charset="0"/>
-                <a:cs typeface="Times New Roman" panose="02020603050405020304" pitchFamily="18" charset="0"/>
-              </a:rPr>
-              <a:t>we add them respectively on the X and Y axes</a:t>
-            </a:r>
-            <a:endParaRPr lang="en-US" sz="1400" dirty="0">
+              <a:rPr lang="en-US" sz="2000" dirty="0" smtClean="0"/>
+              <a:t>Add </a:t>
+            </a:r>
+            <a:r>
+              <a:rPr lang="en-US" sz="2000" b="1" dirty="0" err="1" smtClean="0"/>
+              <a:t>ReturnQuantity</a:t>
+            </a:r>
+            <a:r>
+              <a:rPr lang="en-US" sz="2000" dirty="0" smtClean="0"/>
+              <a:t> and </a:t>
+            </a:r>
+            <a:r>
+              <a:rPr lang="en-US" sz="2000" b="1" dirty="0" err="1" smtClean="0"/>
+              <a:t>SalesQuantity</a:t>
+            </a:r>
+            <a:r>
+              <a:rPr lang="en-US" sz="2000" dirty="0" smtClean="0"/>
+              <a:t> from </a:t>
+            </a:r>
+            <a:r>
+              <a:rPr lang="en-US" sz="2000" b="1" dirty="0" smtClean="0"/>
+              <a:t>FactSales</a:t>
+            </a:r>
+            <a:r>
+              <a:rPr lang="en-US" sz="2000" dirty="0" smtClean="0"/>
+              <a:t> respectively to the X-Axis and Y-Axis</a:t>
+            </a:r>
+            <a:endParaRPr lang="en-US" sz="1600" dirty="0">
               <a:effectLst/>
               <a:latin typeface="Calibri" panose="020F0502020204030204" pitchFamily="34" charset="0"/>
               <a:ea typeface="Calibri" panose="020F0502020204030204" pitchFamily="34" charset="0"/>
@@ -3905,43 +4069,303 @@
       </p:sp>
       <p:pic>
         <p:nvPicPr>
-          <p:cNvPr id="7" name="Picture 6"/>
-          <p:cNvPicPr/>
+          <p:cNvPr id="6" name="Picture 5"/>
+          <p:cNvPicPr>
+            <a:picLocks noChangeAspect="1"/>
+          </p:cNvPicPr>
           <p:nvPr/>
         </p:nvPicPr>
         <p:blipFill>
-          <a:blip r:embed="rId2">
-            <a:extLst>
-              <a:ext uri="{28A0092B-C50C-407E-A947-70E740481C1C}">
-                <a14:useLocalDpi xmlns:a14="http://schemas.microsoft.com/office/drawing/2010/main" val="0"/>
-              </a:ext>
-            </a:extLst>
-          </a:blip>
-          <a:srcRect/>
+          <a:blip r:embed="rId3"/>
           <a:stretch>
             <a:fillRect/>
           </a:stretch>
         </p:blipFill>
-        <p:spPr bwMode="auto">
-          <a:xfrm>
-            <a:off x="442304" y="1733658"/>
-            <a:ext cx="2617155" cy="3828872"/>
+        <p:spPr>
+          <a:xfrm>
+            <a:off x="7151105" y="1395663"/>
+            <a:ext cx="2867425" cy="4182059"/>
           </a:xfrm>
           <a:prstGeom prst="rect">
             <a:avLst/>
           </a:prstGeom>
+        </p:spPr>
+      </p:pic>
+      <p:sp>
+        <p:nvSpPr>
+          <p:cNvPr id="8" name="Rectangle 7"/>
+          <p:cNvSpPr/>
+          <p:nvPr/>
+        </p:nvSpPr>
+        <p:spPr>
+          <a:xfrm>
+            <a:off x="7151105" y="2296314"/>
+            <a:ext cx="2804167" cy="220006"/>
+          </a:xfrm>
+          <a:prstGeom prst="rect">
+            <a:avLst/>
+          </a:prstGeom>
+          <a:solidFill>
+            <a:srgbClr val="FF0000">
+              <a:alpha val="17000"/>
+            </a:srgbClr>
+          </a:solidFill>
           <a:ln>
             <a:noFill/>
           </a:ln>
-          <a:effectLst>
-            <a:outerShdw blurRad="292100" dist="139700" dir="2700000" algn="tl" rotWithShape="0">
-              <a:srgbClr val="333333">
-                <a:alpha val="65000"/>
-              </a:srgbClr>
-            </a:outerShdw>
-          </a:effectLst>
+        </p:spPr>
+        <p:style>
+          <a:lnRef idx="2">
+            <a:schemeClr val="accent1">
+              <a:shade val="50000"/>
+            </a:schemeClr>
+          </a:lnRef>
+          <a:fillRef idx="1">
+            <a:schemeClr val="accent1"/>
+          </a:fillRef>
+          <a:effectRef idx="0">
+            <a:schemeClr val="accent1"/>
+          </a:effectRef>
+          <a:fontRef idx="minor">
+            <a:schemeClr val="lt1"/>
+          </a:fontRef>
+        </p:style>
+        <p:txBody>
+          <a:bodyPr rtlCol="0" anchor="ctr"/>
+          <a:lstStyle/>
+          <a:p>
+            <a:pPr algn="ctr"/>
+            <a:endParaRPr lang="en-US"/>
+          </a:p>
+        </p:txBody>
+      </p:sp>
+      <p:sp>
+        <p:nvSpPr>
+          <p:cNvPr id="9" name="Rectangle 8"/>
+          <p:cNvSpPr/>
+          <p:nvPr/>
+        </p:nvSpPr>
+        <p:spPr>
+          <a:xfrm>
+            <a:off x="7182733" y="2957477"/>
+            <a:ext cx="2804167" cy="220006"/>
+          </a:xfrm>
+          <a:prstGeom prst="rect">
+            <a:avLst/>
+          </a:prstGeom>
+          <a:solidFill>
+            <a:srgbClr val="FF0000">
+              <a:alpha val="17000"/>
+            </a:srgbClr>
+          </a:solidFill>
+          <a:ln>
+            <a:noFill/>
+          </a:ln>
+        </p:spPr>
+        <p:style>
+          <a:lnRef idx="2">
+            <a:schemeClr val="accent1">
+              <a:shade val="50000"/>
+            </a:schemeClr>
+          </a:lnRef>
+          <a:fillRef idx="1">
+            <a:schemeClr val="accent1"/>
+          </a:fillRef>
+          <a:effectRef idx="0">
+            <a:schemeClr val="accent1"/>
+          </a:effectRef>
+          <a:fontRef idx="minor">
+            <a:schemeClr val="lt1"/>
+          </a:fontRef>
+        </p:style>
+        <p:txBody>
+          <a:bodyPr rtlCol="0" anchor="ctr"/>
+          <a:lstStyle/>
+          <a:p>
+            <a:pPr algn="ctr"/>
+            <a:endParaRPr lang="en-US"/>
+          </a:p>
+        </p:txBody>
+      </p:sp>
+      <p:pic>
+        <p:nvPicPr>
+          <p:cNvPr id="10" name="Picture 9"/>
+          <p:cNvPicPr>
+            <a:picLocks noChangeAspect="1"/>
+          </p:cNvPicPr>
+          <p:nvPr/>
+        </p:nvPicPr>
+        <p:blipFill>
+          <a:blip r:embed="rId4"/>
+          <a:stretch>
+            <a:fillRect/>
+          </a:stretch>
+        </p:blipFill>
+        <p:spPr>
+          <a:xfrm>
+            <a:off x="414803" y="1409952"/>
+            <a:ext cx="6230219" cy="4153480"/>
+          </a:xfrm>
+          <a:prstGeom prst="rect">
+            <a:avLst/>
+          </a:prstGeom>
         </p:spPr>
       </p:pic>
+      <p:cxnSp>
+        <p:nvCxnSpPr>
+          <p:cNvPr id="12" name="Straight Connector 11"/>
+          <p:cNvCxnSpPr/>
+          <p:nvPr/>
+        </p:nvCxnSpPr>
+        <p:spPr>
+          <a:xfrm flipH="1">
+            <a:off x="1058779" y="3657600"/>
+            <a:ext cx="2330689" cy="6875"/>
+          </a:xfrm>
+          <a:prstGeom prst="line">
+            <a:avLst/>
+          </a:prstGeom>
+          <a:ln>
+            <a:solidFill>
+              <a:srgbClr val="FF0000"/>
+            </a:solidFill>
+            <a:prstDash val="sysDash"/>
+          </a:ln>
+        </p:spPr>
+        <p:style>
+          <a:lnRef idx="3">
+            <a:schemeClr val="accent2"/>
+          </a:lnRef>
+          <a:fillRef idx="0">
+            <a:schemeClr val="accent2"/>
+          </a:fillRef>
+          <a:effectRef idx="2">
+            <a:schemeClr val="accent2"/>
+          </a:effectRef>
+          <a:fontRef idx="minor">
+            <a:schemeClr val="tx1"/>
+          </a:fontRef>
+        </p:style>
+      </p:cxnSp>
+      <p:cxnSp>
+        <p:nvCxnSpPr>
+          <p:cNvPr id="13" name="Straight Connector 12"/>
+          <p:cNvCxnSpPr/>
+          <p:nvPr/>
+        </p:nvCxnSpPr>
+        <p:spPr>
+          <a:xfrm flipH="1">
+            <a:off x="3451344" y="3733227"/>
+            <a:ext cx="6876" cy="1457540"/>
+          </a:xfrm>
+          <a:prstGeom prst="line">
+            <a:avLst/>
+          </a:prstGeom>
+          <a:ln>
+            <a:solidFill>
+              <a:srgbClr val="FF0000"/>
+            </a:solidFill>
+            <a:prstDash val="sysDash"/>
+          </a:ln>
+        </p:spPr>
+        <p:style>
+          <a:lnRef idx="3">
+            <a:schemeClr val="accent2"/>
+          </a:lnRef>
+          <a:fillRef idx="0">
+            <a:schemeClr val="accent2"/>
+          </a:fillRef>
+          <a:effectRef idx="2">
+            <a:schemeClr val="accent2"/>
+          </a:effectRef>
+          <a:fontRef idx="minor">
+            <a:schemeClr val="tx1"/>
+          </a:fontRef>
+        </p:style>
+      </p:cxnSp>
+      <p:pic>
+        <p:nvPicPr>
+          <p:cNvPr id="16" name="Picture 15"/>
+          <p:cNvPicPr>
+            <a:picLocks noChangeAspect="1"/>
+          </p:cNvPicPr>
+          <p:nvPr/>
+        </p:nvPicPr>
+        <p:blipFill>
+          <a:blip r:embed="rId5"/>
+          <a:stretch>
+            <a:fillRect/>
+          </a:stretch>
+        </p:blipFill>
+        <p:spPr>
+          <a:xfrm>
+            <a:off x="1515121" y="2838848"/>
+            <a:ext cx="1255771" cy="677270"/>
+          </a:xfrm>
+          <a:prstGeom prst="rect">
+            <a:avLst/>
+          </a:prstGeom>
+        </p:spPr>
+      </p:pic>
+      <p:pic>
+        <p:nvPicPr>
+          <p:cNvPr id="17" name="Picture 16"/>
+          <p:cNvPicPr>
+            <a:picLocks noChangeAspect="1"/>
+          </p:cNvPicPr>
+          <p:nvPr/>
+        </p:nvPicPr>
+        <p:blipFill>
+          <a:blip r:embed="rId6"/>
+          <a:stretch>
+            <a:fillRect/>
+          </a:stretch>
+        </p:blipFill>
+        <p:spPr>
+          <a:xfrm>
+            <a:off x="3609474" y="4101816"/>
+            <a:ext cx="1333284" cy="722714"/>
+          </a:xfrm>
+          <a:prstGeom prst="rect">
+            <a:avLst/>
+          </a:prstGeom>
+        </p:spPr>
+      </p:pic>
+    </p:spTree>
+    <p:extLst>
+      <p:ext uri="{BB962C8B-B14F-4D97-AF65-F5344CB8AC3E}">
+        <p14:creationId xmlns:p14="http://schemas.microsoft.com/office/powerpoint/2010/main" val="2387104379"/>
+      </p:ext>
+    </p:extLst>
+  </p:cSld>
+  <p:clrMapOvr>
+    <a:overrideClrMapping bg1="lt1" tx1="dk1" bg2="lt2" tx2="dk2" accent1="accent1" accent2="accent2" accent3="accent3" accent4="accent4" accent5="accent5" accent6="accent6" hlink="hlink" folHlink="folHlink"/>
+  </p:clrMapOvr>
+</p:sld>
+</file>
+
+<file path=ppt/slides/slide4.xml><?xml version="1.0" encoding="utf-8"?>
+<p:sld xmlns:a="http://schemas.openxmlformats.org/drawingml/2006/main" xmlns:r="http://schemas.openxmlformats.org/officeDocument/2006/relationships" xmlns:p="http://schemas.openxmlformats.org/presentationml/2006/main">
+  <p:cSld>
+    <p:bg>
+      <p:bgRef idx="1001">
+        <a:schemeClr val="bg1"/>
+      </p:bgRef>
+    </p:bg>
+    <p:spTree>
+      <p:nvGrpSpPr>
+        <p:cNvPr id="1" name=""/>
+        <p:cNvGrpSpPr/>
+        <p:nvPr/>
+      </p:nvGrpSpPr>
+      <p:grpSpPr>
+        <a:xfrm>
+          <a:off x="0" y="0"/>
+          <a:ext cx="0" cy="0"/>
+          <a:chOff x="0" y="0"/>
+          <a:chExt cx="0" cy="0"/>
+        </a:xfrm>
+      </p:grpSpPr>
       <p:pic>
         <p:nvPicPr>
           <p:cNvPr id="4" name="Picture 3"/>
@@ -3958,40 +4382,645 @@
         </p:blipFill>
         <p:spPr>
           <a:xfrm>
-            <a:off x="4317617" y="1733658"/>
-            <a:ext cx="4447461" cy="4634329"/>
+            <a:off x="828746" y="1109045"/>
+            <a:ext cx="9764488" cy="4801270"/>
           </a:xfrm>
           <a:prstGeom prst="rect">
             <a:avLst/>
           </a:prstGeom>
+        </p:spPr>
+      </p:pic>
+      <p:sp>
+        <p:nvSpPr>
+          <p:cNvPr id="2" name="TextBox 1"/>
+          <p:cNvSpPr txBox="1"/>
+          <p:nvPr/>
+        </p:nvSpPr>
+        <p:spPr>
+          <a:xfrm>
+            <a:off x="323133" y="192505"/>
+            <a:ext cx="1703480" cy="461665"/>
+          </a:xfrm>
+          <a:prstGeom prst="rect">
+            <a:avLst/>
+          </a:prstGeom>
+          <a:noFill/>
+        </p:spPr>
+        <p:txBody>
+          <a:bodyPr wrap="none" rtlCol="0">
+            <a:spAutoFit/>
+          </a:bodyPr>
+          <a:lstStyle/>
+          <a:p>
+            <a:r>
+              <a:rPr lang="en-US" sz="2400" dirty="0" smtClean="0">
+                <a:latin typeface="Segoe UI" panose="020B0502040204020203" pitchFamily="34" charset="0"/>
+                <a:cs typeface="Segoe UI" panose="020B0502040204020203" pitchFamily="34" charset="0"/>
+              </a:rPr>
+              <a:t>The Scatter</a:t>
+            </a:r>
+            <a:endParaRPr lang="en-US" sz="2400" dirty="0">
+              <a:latin typeface="Segoe UI" panose="020B0502040204020203" pitchFamily="34" charset="0"/>
+              <a:cs typeface="Segoe UI" panose="020B0502040204020203" pitchFamily="34" charset="0"/>
+            </a:endParaRPr>
+          </a:p>
+        </p:txBody>
+      </p:sp>
+      <p:sp>
+        <p:nvSpPr>
+          <p:cNvPr id="3" name="Rectangle 2"/>
+          <p:cNvSpPr/>
+          <p:nvPr/>
+        </p:nvSpPr>
+        <p:spPr>
+          <a:xfrm>
+            <a:off x="414803" y="678090"/>
+            <a:ext cx="9973606" cy="421654"/>
+          </a:xfrm>
+          <a:prstGeom prst="rect">
+            <a:avLst/>
+          </a:prstGeom>
+        </p:spPr>
+        <p:txBody>
+          <a:bodyPr wrap="square">
+            <a:spAutoFit/>
+          </a:bodyPr>
+          <a:lstStyle/>
+          <a:p>
+            <a:pPr>
+              <a:lnSpc>
+                <a:spcPct val="107000"/>
+              </a:lnSpc>
+              <a:spcAft>
+                <a:spcPts val="800"/>
+              </a:spcAft>
+            </a:pPr>
+            <a:r>
+              <a:rPr lang="fr-FR" sz="2000" dirty="0" err="1" smtClean="0"/>
+              <a:t>Then</a:t>
+            </a:r>
+            <a:r>
+              <a:rPr lang="fr-FR" sz="2000" dirty="0" smtClean="0"/>
+              <a:t> </a:t>
+            </a:r>
+            <a:r>
+              <a:rPr lang="fr-FR" sz="2000" dirty="0" err="1" smtClean="0"/>
+              <a:t>add</a:t>
+            </a:r>
+            <a:r>
+              <a:rPr lang="fr-FR" sz="2000" dirty="0" smtClean="0"/>
+              <a:t> </a:t>
+            </a:r>
+            <a:r>
+              <a:rPr lang="fr-FR" sz="2000" b="1" dirty="0" err="1" smtClean="0"/>
+              <a:t>Year</a:t>
+            </a:r>
+            <a:r>
+              <a:rPr lang="fr-FR" sz="2000" dirty="0" smtClean="0"/>
+              <a:t> </a:t>
+            </a:r>
+            <a:r>
+              <a:rPr lang="fr-FR" sz="2000" dirty="0" err="1" smtClean="0"/>
+              <a:t>form</a:t>
+            </a:r>
+            <a:r>
+              <a:rPr lang="fr-FR" sz="2000" dirty="0" smtClean="0"/>
+              <a:t> </a:t>
+            </a:r>
+            <a:r>
+              <a:rPr lang="fr-FR" sz="2000" b="1" dirty="0" err="1" smtClean="0"/>
+              <a:t>DimDate</a:t>
+            </a:r>
+            <a:r>
+              <a:rPr lang="fr-FR" sz="2000" dirty="0" smtClean="0"/>
+              <a:t> to the </a:t>
+            </a:r>
+            <a:r>
+              <a:rPr lang="fr-FR" sz="2000" b="1" dirty="0" smtClean="0"/>
+              <a:t>Values</a:t>
+            </a:r>
+            <a:endParaRPr lang="en-US" sz="1600" dirty="0">
+              <a:effectLst/>
+              <a:latin typeface="Calibri" panose="020F0502020204030204" pitchFamily="34" charset="0"/>
+              <a:ea typeface="Calibri" panose="020F0502020204030204" pitchFamily="34" charset="0"/>
+              <a:cs typeface="Times New Roman" panose="02020603050405020304" pitchFamily="18" charset="0"/>
+            </a:endParaRPr>
+          </a:p>
+        </p:txBody>
+      </p:sp>
+      <p:sp>
+        <p:nvSpPr>
+          <p:cNvPr id="8" name="Rectangle 7"/>
+          <p:cNvSpPr/>
+          <p:nvPr/>
+        </p:nvSpPr>
+        <p:spPr>
+          <a:xfrm>
+            <a:off x="7852375" y="1505666"/>
+            <a:ext cx="2740860" cy="220008"/>
+          </a:xfrm>
+          <a:prstGeom prst="rect">
+            <a:avLst/>
+          </a:prstGeom>
+          <a:solidFill>
+            <a:srgbClr val="FF0000">
+              <a:alpha val="17000"/>
+            </a:srgbClr>
+          </a:solidFill>
           <a:ln>
             <a:noFill/>
           </a:ln>
-          <a:effectLst>
-            <a:outerShdw blurRad="292100" dist="139700" dir="2700000" algn="tl" rotWithShape="0">
-              <a:srgbClr val="333333">
-                <a:alpha val="65000"/>
-              </a:srgbClr>
-            </a:outerShdw>
-          </a:effectLst>
+        </p:spPr>
+        <p:style>
+          <a:lnRef idx="2">
+            <a:schemeClr val="accent1">
+              <a:shade val="50000"/>
+            </a:schemeClr>
+          </a:lnRef>
+          <a:fillRef idx="1">
+            <a:schemeClr val="accent1"/>
+          </a:fillRef>
+          <a:effectRef idx="0">
+            <a:schemeClr val="accent1"/>
+          </a:effectRef>
+          <a:fontRef idx="minor">
+            <a:schemeClr val="lt1"/>
+          </a:fontRef>
+        </p:style>
+        <p:txBody>
+          <a:bodyPr rtlCol="0" anchor="ctr"/>
+          <a:lstStyle/>
+          <a:p>
+            <a:pPr algn="ctr"/>
+            <a:endParaRPr lang="en-US"/>
+          </a:p>
+        </p:txBody>
+      </p:sp>
+      <p:sp>
+        <p:nvSpPr>
+          <p:cNvPr id="9" name="Rectangle 8"/>
+          <p:cNvSpPr/>
+          <p:nvPr/>
+        </p:nvSpPr>
+        <p:spPr>
+          <a:xfrm>
+            <a:off x="7852374" y="2186309"/>
+            <a:ext cx="2687289" cy="214277"/>
+          </a:xfrm>
+          <a:prstGeom prst="rect">
+            <a:avLst/>
+          </a:prstGeom>
+          <a:solidFill>
+            <a:srgbClr val="FF0000">
+              <a:alpha val="17000"/>
+            </a:srgbClr>
+          </a:solidFill>
+          <a:ln>
+            <a:noFill/>
+          </a:ln>
+        </p:spPr>
+        <p:style>
+          <a:lnRef idx="2">
+            <a:schemeClr val="accent1">
+              <a:shade val="50000"/>
+            </a:schemeClr>
+          </a:lnRef>
+          <a:fillRef idx="1">
+            <a:schemeClr val="accent1"/>
+          </a:fillRef>
+          <a:effectRef idx="0">
+            <a:schemeClr val="accent1"/>
+          </a:effectRef>
+          <a:fontRef idx="minor">
+            <a:schemeClr val="lt1"/>
+          </a:fontRef>
+        </p:style>
+        <p:txBody>
+          <a:bodyPr rtlCol="0" anchor="ctr"/>
+          <a:lstStyle/>
+          <a:p>
+            <a:pPr algn="ctr"/>
+            <a:endParaRPr lang="en-US"/>
+          </a:p>
+        </p:txBody>
+      </p:sp>
+      <p:sp>
+        <p:nvSpPr>
+          <p:cNvPr id="14" name="Rectangle 13"/>
+          <p:cNvSpPr/>
+          <p:nvPr/>
+        </p:nvSpPr>
+        <p:spPr>
+          <a:xfrm>
+            <a:off x="7879160" y="2856030"/>
+            <a:ext cx="2714074" cy="214277"/>
+          </a:xfrm>
+          <a:prstGeom prst="rect">
+            <a:avLst/>
+          </a:prstGeom>
+          <a:solidFill>
+            <a:srgbClr val="FF0000">
+              <a:alpha val="17000"/>
+            </a:srgbClr>
+          </a:solidFill>
+          <a:ln>
+            <a:noFill/>
+          </a:ln>
+        </p:spPr>
+        <p:style>
+          <a:lnRef idx="2">
+            <a:schemeClr val="accent1">
+              <a:shade val="50000"/>
+            </a:schemeClr>
+          </a:lnRef>
+          <a:fillRef idx="1">
+            <a:schemeClr val="accent1"/>
+          </a:fillRef>
+          <a:effectRef idx="0">
+            <a:schemeClr val="accent1"/>
+          </a:effectRef>
+          <a:fontRef idx="minor">
+            <a:schemeClr val="lt1"/>
+          </a:fontRef>
+        </p:style>
+        <p:txBody>
+          <a:bodyPr rtlCol="0" anchor="ctr"/>
+          <a:lstStyle/>
+          <a:p>
+            <a:pPr algn="ctr"/>
+            <a:endParaRPr lang="en-US"/>
+          </a:p>
+        </p:txBody>
+      </p:sp>
+      <p:pic>
+        <p:nvPicPr>
+          <p:cNvPr id="5" name="Picture 4"/>
+          <p:cNvPicPr>
+            <a:picLocks noChangeAspect="1"/>
+          </p:cNvPicPr>
+          <p:nvPr/>
+        </p:nvPicPr>
+        <p:blipFill>
+          <a:blip r:embed="rId4"/>
+          <a:stretch>
+            <a:fillRect/>
+          </a:stretch>
+        </p:blipFill>
+        <p:spPr>
+          <a:xfrm>
+            <a:off x="2337167" y="4023683"/>
+            <a:ext cx="2086266" cy="790685"/>
+          </a:xfrm>
+          <a:prstGeom prst="rect">
+            <a:avLst/>
+          </a:prstGeom>
         </p:spPr>
       </p:pic>
+      <p:pic>
+        <p:nvPicPr>
+          <p:cNvPr id="7" name="Picture 6"/>
+          <p:cNvPicPr>
+            <a:picLocks noChangeAspect="1"/>
+          </p:cNvPicPr>
+          <p:nvPr/>
+        </p:nvPicPr>
+        <p:blipFill>
+          <a:blip r:embed="rId5"/>
+          <a:stretch>
+            <a:fillRect/>
+          </a:stretch>
+        </p:blipFill>
+        <p:spPr>
+          <a:xfrm>
+            <a:off x="3150218" y="2005243"/>
+            <a:ext cx="2114845" cy="790685"/>
+          </a:xfrm>
+          <a:prstGeom prst="rect">
+            <a:avLst/>
+          </a:prstGeom>
+        </p:spPr>
+      </p:pic>
+      <p:pic>
+        <p:nvPicPr>
+          <p:cNvPr id="11" name="Picture 10"/>
+          <p:cNvPicPr>
+            <a:picLocks noChangeAspect="1"/>
+          </p:cNvPicPr>
+          <p:nvPr/>
+        </p:nvPicPr>
+        <p:blipFill>
+          <a:blip r:embed="rId6"/>
+          <a:stretch>
+            <a:fillRect/>
+          </a:stretch>
+        </p:blipFill>
+        <p:spPr>
+          <a:xfrm>
+            <a:off x="4797550" y="1060921"/>
+            <a:ext cx="2095792" cy="676369"/>
+          </a:xfrm>
+          <a:prstGeom prst="rect">
+            <a:avLst/>
+          </a:prstGeom>
+        </p:spPr>
+      </p:pic>
+      <p:sp>
+        <p:nvSpPr>
+          <p:cNvPr id="15" name="Rectangle 14"/>
+          <p:cNvSpPr/>
+          <p:nvPr/>
+        </p:nvSpPr>
+        <p:spPr>
+          <a:xfrm>
+            <a:off x="3753853" y="4592626"/>
+            <a:ext cx="749395" cy="151254"/>
+          </a:xfrm>
+          <a:prstGeom prst="rect">
+            <a:avLst/>
+          </a:prstGeom>
+          <a:noFill/>
+          <a:ln w="12700">
+            <a:solidFill>
+              <a:srgbClr val="00B050"/>
+            </a:solidFill>
+          </a:ln>
+        </p:spPr>
+        <p:style>
+          <a:lnRef idx="2">
+            <a:schemeClr val="accent1">
+              <a:shade val="50000"/>
+            </a:schemeClr>
+          </a:lnRef>
+          <a:fillRef idx="1">
+            <a:schemeClr val="accent1"/>
+          </a:fillRef>
+          <a:effectRef idx="0">
+            <a:schemeClr val="accent1"/>
+          </a:effectRef>
+          <a:fontRef idx="minor">
+            <a:schemeClr val="lt1"/>
+          </a:fontRef>
+        </p:style>
+        <p:txBody>
+          <a:bodyPr rtlCol="0" anchor="ctr"/>
+          <a:lstStyle/>
+          <a:p>
+            <a:pPr algn="ctr"/>
+            <a:endParaRPr lang="en-US"/>
+          </a:p>
+        </p:txBody>
+      </p:sp>
+      <p:sp>
+        <p:nvSpPr>
+          <p:cNvPr id="18" name="Rectangle 17"/>
+          <p:cNvSpPr/>
+          <p:nvPr/>
+        </p:nvSpPr>
+        <p:spPr>
+          <a:xfrm>
+            <a:off x="4566271" y="2482234"/>
+            <a:ext cx="749395" cy="151254"/>
+          </a:xfrm>
+          <a:prstGeom prst="rect">
+            <a:avLst/>
+          </a:prstGeom>
+          <a:noFill/>
+          <a:ln w="12700">
+            <a:solidFill>
+              <a:srgbClr val="00B050"/>
+            </a:solidFill>
+          </a:ln>
+        </p:spPr>
+        <p:style>
+          <a:lnRef idx="2">
+            <a:schemeClr val="accent1">
+              <a:shade val="50000"/>
+            </a:schemeClr>
+          </a:lnRef>
+          <a:fillRef idx="1">
+            <a:schemeClr val="accent1"/>
+          </a:fillRef>
+          <a:effectRef idx="0">
+            <a:schemeClr val="accent1"/>
+          </a:effectRef>
+          <a:fontRef idx="minor">
+            <a:schemeClr val="lt1"/>
+          </a:fontRef>
+        </p:style>
+        <p:txBody>
+          <a:bodyPr rtlCol="0" anchor="ctr"/>
+          <a:lstStyle/>
+          <a:p>
+            <a:pPr algn="ctr"/>
+            <a:endParaRPr lang="en-US"/>
+          </a:p>
+        </p:txBody>
+      </p:sp>
+      <p:sp>
+        <p:nvSpPr>
+          <p:cNvPr id="19" name="Rectangle 18"/>
+          <p:cNvSpPr/>
+          <p:nvPr/>
+        </p:nvSpPr>
+        <p:spPr>
+          <a:xfrm>
+            <a:off x="6143947" y="1538200"/>
+            <a:ext cx="749395" cy="151254"/>
+          </a:xfrm>
+          <a:prstGeom prst="rect">
+            <a:avLst/>
+          </a:prstGeom>
+          <a:noFill/>
+          <a:ln w="12700">
+            <a:solidFill>
+              <a:srgbClr val="00B050"/>
+            </a:solidFill>
+          </a:ln>
+        </p:spPr>
+        <p:style>
+          <a:lnRef idx="2">
+            <a:schemeClr val="accent1">
+              <a:shade val="50000"/>
+            </a:schemeClr>
+          </a:lnRef>
+          <a:fillRef idx="1">
+            <a:schemeClr val="accent1"/>
+          </a:fillRef>
+          <a:effectRef idx="0">
+            <a:schemeClr val="accent1"/>
+          </a:effectRef>
+          <a:fontRef idx="minor">
+            <a:schemeClr val="lt1"/>
+          </a:fontRef>
+        </p:style>
+        <p:txBody>
+          <a:bodyPr rtlCol="0" anchor="ctr"/>
+          <a:lstStyle/>
+          <a:p>
+            <a:pPr algn="ctr"/>
+            <a:endParaRPr lang="en-US"/>
+          </a:p>
+        </p:txBody>
+      </p:sp>
+      <p:sp>
+        <p:nvSpPr>
+          <p:cNvPr id="20" name="Rectangle 19"/>
+          <p:cNvSpPr/>
+          <p:nvPr/>
+        </p:nvSpPr>
+        <p:spPr>
+          <a:xfrm>
+            <a:off x="3753853" y="4419025"/>
+            <a:ext cx="749395" cy="151254"/>
+          </a:xfrm>
+          <a:prstGeom prst="rect">
+            <a:avLst/>
+          </a:prstGeom>
+          <a:noFill/>
+          <a:ln w="12700">
+            <a:solidFill>
+              <a:srgbClr val="7030A0"/>
+            </a:solidFill>
+          </a:ln>
+        </p:spPr>
+        <p:style>
+          <a:lnRef idx="2">
+            <a:schemeClr val="accent1">
+              <a:shade val="50000"/>
+            </a:schemeClr>
+          </a:lnRef>
+          <a:fillRef idx="1">
+            <a:schemeClr val="accent1"/>
+          </a:fillRef>
+          <a:effectRef idx="0">
+            <a:schemeClr val="accent1"/>
+          </a:effectRef>
+          <a:fontRef idx="minor">
+            <a:schemeClr val="lt1"/>
+          </a:fontRef>
+        </p:style>
+        <p:txBody>
+          <a:bodyPr rtlCol="0" anchor="ctr"/>
+          <a:lstStyle/>
+          <a:p>
+            <a:pPr algn="ctr"/>
+            <a:endParaRPr lang="en-US"/>
+          </a:p>
+        </p:txBody>
+      </p:sp>
+      <p:sp>
+        <p:nvSpPr>
+          <p:cNvPr id="21" name="Rectangle 20"/>
+          <p:cNvSpPr/>
+          <p:nvPr/>
+        </p:nvSpPr>
+        <p:spPr>
+          <a:xfrm>
+            <a:off x="4566271" y="2293447"/>
+            <a:ext cx="749395" cy="151254"/>
+          </a:xfrm>
+          <a:prstGeom prst="rect">
+            <a:avLst/>
+          </a:prstGeom>
+          <a:noFill/>
+          <a:ln w="12700">
+            <a:solidFill>
+              <a:srgbClr val="7030A0"/>
+            </a:solidFill>
+          </a:ln>
+        </p:spPr>
+        <p:style>
+          <a:lnRef idx="2">
+            <a:schemeClr val="accent1">
+              <a:shade val="50000"/>
+            </a:schemeClr>
+          </a:lnRef>
+          <a:fillRef idx="1">
+            <a:schemeClr val="accent1"/>
+          </a:fillRef>
+          <a:effectRef idx="0">
+            <a:schemeClr val="accent1"/>
+          </a:effectRef>
+          <a:fontRef idx="minor">
+            <a:schemeClr val="lt1"/>
+          </a:fontRef>
+        </p:style>
+        <p:txBody>
+          <a:bodyPr rtlCol="0" anchor="ctr"/>
+          <a:lstStyle/>
+          <a:p>
+            <a:pPr algn="ctr"/>
+            <a:endParaRPr lang="en-US"/>
+          </a:p>
+        </p:txBody>
+      </p:sp>
+      <p:sp>
+        <p:nvSpPr>
+          <p:cNvPr id="22" name="Rectangle 21"/>
+          <p:cNvSpPr/>
+          <p:nvPr/>
+        </p:nvSpPr>
+        <p:spPr>
+          <a:xfrm>
+            <a:off x="6143947" y="1361305"/>
+            <a:ext cx="749395" cy="151254"/>
+          </a:xfrm>
+          <a:prstGeom prst="rect">
+            <a:avLst/>
+          </a:prstGeom>
+          <a:noFill/>
+          <a:ln w="12700">
+            <a:solidFill>
+              <a:srgbClr val="7030A0"/>
+            </a:solidFill>
+          </a:ln>
+        </p:spPr>
+        <p:style>
+          <a:lnRef idx="2">
+            <a:schemeClr val="accent1">
+              <a:shade val="50000"/>
+            </a:schemeClr>
+          </a:lnRef>
+          <a:fillRef idx="1">
+            <a:schemeClr val="accent1"/>
+          </a:fillRef>
+          <a:effectRef idx="0">
+            <a:schemeClr val="accent1"/>
+          </a:effectRef>
+          <a:fontRef idx="minor">
+            <a:schemeClr val="lt1"/>
+          </a:fontRef>
+        </p:style>
+        <p:txBody>
+          <a:bodyPr rtlCol="0" anchor="ctr"/>
+          <a:lstStyle/>
+          <a:p>
+            <a:pPr algn="ctr"/>
+            <a:endParaRPr lang="en-US"/>
+          </a:p>
+        </p:txBody>
+      </p:sp>
     </p:spTree>
     <p:extLst>
       <p:ext uri="{BB962C8B-B14F-4D97-AF65-F5344CB8AC3E}">
-        <p14:creationId xmlns:p14="http://schemas.microsoft.com/office/powerpoint/2010/main" val="2387104379"/>
+        <p14:creationId xmlns:p14="http://schemas.microsoft.com/office/powerpoint/2010/main" val="1199581996"/>
       </p:ext>
     </p:extLst>
   </p:cSld>
   <p:clrMapOvr>
-    <a:masterClrMapping/>
+    <a:overrideClrMapping bg1="lt1" tx1="dk1" bg2="lt2" tx2="dk2" accent1="accent1" accent2="accent2" accent3="accent3" accent4="accent4" accent5="accent5" accent6="accent6" hlink="hlink" folHlink="folHlink"/>
   </p:clrMapOvr>
 </p:sld>
 </file>
 
-<file path=ppt/slides/slide4.xml><?xml version="1.0" encoding="utf-8"?>
+<file path=ppt/slides/slide5.xml><?xml version="1.0" encoding="utf-8"?>
 <p:sld xmlns:a="http://schemas.openxmlformats.org/drawingml/2006/main" xmlns:r="http://schemas.openxmlformats.org/officeDocument/2006/relationships" xmlns:p="http://schemas.openxmlformats.org/presentationml/2006/main">
   <p:cSld>
+    <p:bg>
+      <p:bgRef idx="1001">
+        <a:schemeClr val="bg1"/>
+      </p:bgRef>
+    </p:bg>
     <p:spTree>
       <p:nvGrpSpPr>
         <p:cNvPr id="1" name=""/>
@@ -4006,127 +5035,6 @@
           <a:chExt cx="0" cy="0"/>
         </a:xfrm>
       </p:grpSpPr>
-      <p:sp>
-        <p:nvSpPr>
-          <p:cNvPr id="2" name="TextBox 1"/>
-          <p:cNvSpPr txBox="1"/>
-          <p:nvPr/>
-        </p:nvSpPr>
-        <p:spPr>
-          <a:xfrm>
-            <a:off x="323133" y="192505"/>
-            <a:ext cx="1703480" cy="461665"/>
-          </a:xfrm>
-          <a:prstGeom prst="rect">
-            <a:avLst/>
-          </a:prstGeom>
-          <a:noFill/>
-        </p:spPr>
-        <p:txBody>
-          <a:bodyPr wrap="none" rtlCol="0">
-            <a:spAutoFit/>
-          </a:bodyPr>
-          <a:lstStyle/>
-          <a:p>
-            <a:r>
-              <a:rPr lang="en" sz="2400" dirty="0" smtClean="0">
-                <a:latin typeface="Segoe UI" panose="020B0502040204020203" pitchFamily="34" charset="0"/>
-                <a:cs typeface="Segoe UI" panose="020B0502040204020203" pitchFamily="34" charset="0"/>
-              </a:rPr>
-              <a:t>The dispersion</a:t>
-            </a:r>
-            <a:endParaRPr lang="en-US" sz="2400" dirty="0">
-              <a:latin typeface="Segoe UI" panose="020B0502040204020203" pitchFamily="34" charset="0"/>
-              <a:cs typeface="Segoe UI" panose="020B0502040204020203" pitchFamily="34" charset="0"/>
-            </a:endParaRPr>
-          </a:p>
-        </p:txBody>
-      </p:sp>
-      <p:sp>
-        <p:nvSpPr>
-          <p:cNvPr id="3" name="Rectangle 2"/>
-          <p:cNvSpPr/>
-          <p:nvPr/>
-        </p:nvSpPr>
-        <p:spPr>
-          <a:xfrm>
-            <a:off x="456054" y="803909"/>
-            <a:ext cx="9148583" cy="373692"/>
-          </a:xfrm>
-          <a:prstGeom prst="rect">
-            <a:avLst/>
-          </a:prstGeom>
-        </p:spPr>
-        <p:txBody>
-          <a:bodyPr wrap="square">
-            <a:spAutoFit/>
-          </a:bodyPr>
-          <a:lstStyle/>
-          <a:p>
-            <a:pPr lvl="0">
-              <a:lnSpc>
-                <a:spcPct val="107000"/>
-              </a:lnSpc>
-              <a:spcAft>
-                <a:spcPts val="800"/>
-              </a:spcAft>
-            </a:pPr>
-            <a:r>
-              <a:rPr lang="en" dirty="0" smtClean="0">
-                <a:latin typeface="Segoe UI" panose="020B0502040204020203" pitchFamily="34" charset="0"/>
-                <a:ea typeface="Calibri" panose="020F0502020204030204" pitchFamily="34" charset="0"/>
-                <a:cs typeface="Times New Roman" panose="02020603050405020304" pitchFamily="18" charset="0"/>
-              </a:rPr>
-              <a:t>You need to turn off aggregation for one or both metrics to get the number below</a:t>
-            </a:r>
-            <a:endParaRPr lang="en-US" sz="1400" dirty="0">
-              <a:effectLst/>
-              <a:latin typeface="Calibri" panose="020F0502020204030204" pitchFamily="34" charset="0"/>
-              <a:ea typeface="Calibri" panose="020F0502020204030204" pitchFamily="34" charset="0"/>
-              <a:cs typeface="Times New Roman" panose="02020603050405020304" pitchFamily="18" charset="0"/>
-            </a:endParaRPr>
-          </a:p>
-        </p:txBody>
-      </p:sp>
-      <p:pic>
-        <p:nvPicPr>
-          <p:cNvPr id="7" name="Picture 6"/>
-          <p:cNvPicPr/>
-          <p:nvPr/>
-        </p:nvPicPr>
-        <p:blipFill>
-          <a:blip r:embed="rId2">
-            <a:extLst>
-              <a:ext uri="{28A0092B-C50C-407E-A947-70E740481C1C}">
-                <a14:useLocalDpi xmlns:a14="http://schemas.microsoft.com/office/drawing/2010/main" val="0"/>
-              </a:ext>
-            </a:extLst>
-          </a:blip>
-          <a:srcRect/>
-          <a:stretch>
-            <a:fillRect/>
-          </a:stretch>
-        </p:blipFill>
-        <p:spPr bwMode="auto">
-          <a:xfrm>
-            <a:off x="541672" y="1496964"/>
-            <a:ext cx="3308433" cy="3116287"/>
-          </a:xfrm>
-          <a:prstGeom prst="rect">
-            <a:avLst/>
-          </a:prstGeom>
-          <a:ln>
-            <a:noFill/>
-          </a:ln>
-          <a:effectLst>
-            <a:outerShdw blurRad="292100" dist="139700" dir="2700000" algn="tl" rotWithShape="0">
-              <a:srgbClr val="333333">
-                <a:alpha val="65000"/>
-              </a:srgbClr>
-            </a:outerShdw>
-          </a:effectLst>
-        </p:spPr>
-      </p:pic>
       <p:pic>
         <p:nvPicPr>
           <p:cNvPr id="4" name="Picture 3"/>
@@ -4136,47 +5044,476 @@
           <p:nvPr/>
         </p:nvPicPr>
         <p:blipFill>
-          <a:blip r:embed="rId3"/>
+          <a:blip r:embed="rId4"/>
           <a:stretch>
             <a:fillRect/>
           </a:stretch>
         </p:blipFill>
         <p:spPr>
           <a:xfrm>
-            <a:off x="4773324" y="1496964"/>
-            <a:ext cx="4902424" cy="4927479"/>
+            <a:off x="617054" y="1238309"/>
+            <a:ext cx="10174120" cy="4763165"/>
           </a:xfrm>
           <a:prstGeom prst="rect">
             <a:avLst/>
           </a:prstGeom>
+        </p:spPr>
+      </p:pic>
+      <p:sp>
+        <p:nvSpPr>
+          <p:cNvPr id="2" name="TextBox 1"/>
+          <p:cNvSpPr txBox="1"/>
+          <p:nvPr/>
+        </p:nvSpPr>
+        <p:spPr>
+          <a:xfrm>
+            <a:off x="323133" y="192505"/>
+            <a:ext cx="1703480" cy="461665"/>
+          </a:xfrm>
+          <a:prstGeom prst="rect">
+            <a:avLst/>
+          </a:prstGeom>
+          <a:noFill/>
+        </p:spPr>
+        <p:txBody>
+          <a:bodyPr wrap="none" rtlCol="0">
+            <a:spAutoFit/>
+          </a:bodyPr>
+          <a:lstStyle/>
+          <a:p>
+            <a:r>
+              <a:rPr lang="en-US" sz="2400" dirty="0" smtClean="0">
+                <a:latin typeface="Segoe UI" panose="020B0502040204020203" pitchFamily="34" charset="0"/>
+                <a:cs typeface="Segoe UI" panose="020B0502040204020203" pitchFamily="34" charset="0"/>
+              </a:rPr>
+              <a:t>The Scatter</a:t>
+            </a:r>
+            <a:endParaRPr lang="en-US" sz="2400" dirty="0">
+              <a:latin typeface="Segoe UI" panose="020B0502040204020203" pitchFamily="34" charset="0"/>
+              <a:cs typeface="Segoe UI" panose="020B0502040204020203" pitchFamily="34" charset="0"/>
+            </a:endParaRPr>
+          </a:p>
+        </p:txBody>
+      </p:sp>
+      <p:sp>
+        <p:nvSpPr>
+          <p:cNvPr id="3" name="Rectangle 2"/>
+          <p:cNvSpPr/>
+          <p:nvPr/>
+        </p:nvSpPr>
+        <p:spPr>
+          <a:xfrm>
+            <a:off x="414803" y="678090"/>
+            <a:ext cx="9973606" cy="421654"/>
+          </a:xfrm>
+          <a:prstGeom prst="rect">
+            <a:avLst/>
+          </a:prstGeom>
+        </p:spPr>
+        <p:txBody>
+          <a:bodyPr wrap="square">
+            <a:spAutoFit/>
+          </a:bodyPr>
+          <a:lstStyle/>
+          <a:p>
+            <a:pPr>
+              <a:lnSpc>
+                <a:spcPct val="107000"/>
+              </a:lnSpc>
+              <a:spcAft>
+                <a:spcPts val="800"/>
+              </a:spcAft>
+            </a:pPr>
+            <a:r>
+              <a:rPr lang="fr-FR" sz="2000" dirty="0" err="1" smtClean="0"/>
+              <a:t>Then</a:t>
+            </a:r>
+            <a:r>
+              <a:rPr lang="fr-FR" sz="2000" dirty="0" smtClean="0"/>
+              <a:t> </a:t>
+            </a:r>
+            <a:r>
+              <a:rPr lang="fr-FR" sz="2000" dirty="0" err="1" smtClean="0"/>
+              <a:t>add</a:t>
+            </a:r>
+            <a:r>
+              <a:rPr lang="fr-FR" sz="2000" dirty="0" smtClean="0"/>
+              <a:t> </a:t>
+            </a:r>
+            <a:r>
+              <a:rPr lang="fr-FR" sz="2000" b="1" dirty="0" err="1" smtClean="0"/>
+              <a:t>SalesKey</a:t>
+            </a:r>
+            <a:r>
+              <a:rPr lang="fr-FR" sz="2000" dirty="0" smtClean="0"/>
+              <a:t> to the </a:t>
+            </a:r>
+            <a:r>
+              <a:rPr lang="fr-FR" sz="2000" b="1" dirty="0" smtClean="0"/>
+              <a:t>Size</a:t>
+            </a:r>
+            <a:endParaRPr lang="en-US" sz="1600" b="1" dirty="0">
+              <a:effectLst/>
+              <a:latin typeface="Calibri" panose="020F0502020204030204" pitchFamily="34" charset="0"/>
+              <a:ea typeface="Calibri" panose="020F0502020204030204" pitchFamily="34" charset="0"/>
+              <a:cs typeface="Times New Roman" panose="02020603050405020304" pitchFamily="18" charset="0"/>
+            </a:endParaRPr>
+          </a:p>
+        </p:txBody>
+      </p:sp>
+      <p:sp>
+        <p:nvSpPr>
+          <p:cNvPr id="8" name="Rectangle 7"/>
+          <p:cNvSpPr/>
+          <p:nvPr/>
+        </p:nvSpPr>
+        <p:spPr>
+          <a:xfrm>
+            <a:off x="7872999" y="1600763"/>
+            <a:ext cx="2811041" cy="228038"/>
+          </a:xfrm>
+          <a:prstGeom prst="rect">
+            <a:avLst/>
+          </a:prstGeom>
+          <a:solidFill>
+            <a:srgbClr val="FF0000">
+              <a:alpha val="17000"/>
+            </a:srgbClr>
+          </a:solidFill>
           <a:ln>
             <a:noFill/>
           </a:ln>
-          <a:effectLst>
-            <a:outerShdw blurRad="292100" dist="139700" dir="2700000" algn="tl" rotWithShape="0">
-              <a:srgbClr val="333333">
-                <a:alpha val="65000"/>
-              </a:srgbClr>
-            </a:outerShdw>
-          </a:effectLst>
+        </p:spPr>
+        <p:style>
+          <a:lnRef idx="2">
+            <a:schemeClr val="accent1">
+              <a:shade val="50000"/>
+            </a:schemeClr>
+          </a:lnRef>
+          <a:fillRef idx="1">
+            <a:schemeClr val="accent1"/>
+          </a:fillRef>
+          <a:effectRef idx="0">
+            <a:schemeClr val="accent1"/>
+          </a:effectRef>
+          <a:fontRef idx="minor">
+            <a:schemeClr val="lt1"/>
+          </a:fontRef>
+        </p:style>
+        <p:txBody>
+          <a:bodyPr rtlCol="0" anchor="ctr"/>
+          <a:lstStyle/>
+          <a:p>
+            <a:pPr algn="ctr"/>
+            <a:endParaRPr lang="en-US"/>
+          </a:p>
+        </p:txBody>
+      </p:sp>
+      <p:sp>
+        <p:nvSpPr>
+          <p:cNvPr id="9" name="Rectangle 8"/>
+          <p:cNvSpPr/>
+          <p:nvPr/>
+        </p:nvSpPr>
+        <p:spPr>
+          <a:xfrm>
+            <a:off x="7873000" y="2264389"/>
+            <a:ext cx="2811041" cy="231304"/>
+          </a:xfrm>
+          <a:prstGeom prst="rect">
+            <a:avLst/>
+          </a:prstGeom>
+          <a:solidFill>
+            <a:srgbClr val="FF0000">
+              <a:alpha val="17000"/>
+            </a:srgbClr>
+          </a:solidFill>
+          <a:ln>
+            <a:noFill/>
+          </a:ln>
+        </p:spPr>
+        <p:style>
+          <a:lnRef idx="2">
+            <a:schemeClr val="accent1">
+              <a:shade val="50000"/>
+            </a:schemeClr>
+          </a:lnRef>
+          <a:fillRef idx="1">
+            <a:schemeClr val="accent1"/>
+          </a:fillRef>
+          <a:effectRef idx="0">
+            <a:schemeClr val="accent1"/>
+          </a:effectRef>
+          <a:fontRef idx="minor">
+            <a:schemeClr val="lt1"/>
+          </a:fontRef>
+        </p:style>
+        <p:txBody>
+          <a:bodyPr rtlCol="0" anchor="ctr"/>
+          <a:lstStyle/>
+          <a:p>
+            <a:pPr algn="ctr"/>
+            <a:endParaRPr lang="en-US"/>
+          </a:p>
+        </p:txBody>
+      </p:sp>
+      <p:sp>
+        <p:nvSpPr>
+          <p:cNvPr id="14" name="Rectangle 13"/>
+          <p:cNvSpPr/>
+          <p:nvPr/>
+        </p:nvSpPr>
+        <p:spPr>
+          <a:xfrm>
+            <a:off x="7886392" y="2882904"/>
+            <a:ext cx="2797649" cy="231556"/>
+          </a:xfrm>
+          <a:prstGeom prst="rect">
+            <a:avLst/>
+          </a:prstGeom>
+          <a:solidFill>
+            <a:srgbClr val="FF0000">
+              <a:alpha val="17000"/>
+            </a:srgbClr>
+          </a:solidFill>
+          <a:ln>
+            <a:noFill/>
+          </a:ln>
+        </p:spPr>
+        <p:style>
+          <a:lnRef idx="2">
+            <a:schemeClr val="accent1">
+              <a:shade val="50000"/>
+            </a:schemeClr>
+          </a:lnRef>
+          <a:fillRef idx="1">
+            <a:schemeClr val="accent1"/>
+          </a:fillRef>
+          <a:effectRef idx="0">
+            <a:schemeClr val="accent1"/>
+          </a:effectRef>
+          <a:fontRef idx="minor">
+            <a:schemeClr val="lt1"/>
+          </a:fontRef>
+        </p:style>
+        <p:txBody>
+          <a:bodyPr rtlCol="0" anchor="ctr"/>
+          <a:lstStyle/>
+          <a:p>
+            <a:pPr algn="ctr"/>
+            <a:endParaRPr lang="en-US"/>
+          </a:p>
+        </p:txBody>
+      </p:sp>
+      <p:sp>
+        <p:nvSpPr>
+          <p:cNvPr id="11" name="Rectangle 10"/>
+          <p:cNvSpPr/>
+          <p:nvPr/>
+        </p:nvSpPr>
+        <p:spPr>
+          <a:xfrm>
+            <a:off x="7899786" y="4052175"/>
+            <a:ext cx="2784256" cy="217317"/>
+          </a:xfrm>
+          <a:prstGeom prst="rect">
+            <a:avLst/>
+          </a:prstGeom>
+          <a:solidFill>
+            <a:srgbClr val="FF0000">
+              <a:alpha val="17000"/>
+            </a:srgbClr>
+          </a:solidFill>
+          <a:ln>
+            <a:noFill/>
+          </a:ln>
+        </p:spPr>
+        <p:style>
+          <a:lnRef idx="2">
+            <a:schemeClr val="accent1">
+              <a:shade val="50000"/>
+            </a:schemeClr>
+          </a:lnRef>
+          <a:fillRef idx="1">
+            <a:schemeClr val="accent1"/>
+          </a:fillRef>
+          <a:effectRef idx="0">
+            <a:schemeClr val="accent1"/>
+          </a:effectRef>
+          <a:fontRef idx="minor">
+            <a:schemeClr val="lt1"/>
+          </a:fontRef>
+        </p:style>
+        <p:txBody>
+          <a:bodyPr rtlCol="0" anchor="ctr"/>
+          <a:lstStyle/>
+          <a:p>
+            <a:pPr algn="ctr"/>
+            <a:endParaRPr lang="en-US"/>
+          </a:p>
+        </p:txBody>
+      </p:sp>
+      <p:pic>
+        <p:nvPicPr>
+          <p:cNvPr id="5" name="Picture 4"/>
+          <p:cNvPicPr>
+            <a:picLocks noChangeAspect="1"/>
+          </p:cNvPicPr>
+          <p:nvPr/>
+        </p:nvPicPr>
+        <p:blipFill>
+          <a:blip r:embed="rId5"/>
+          <a:stretch>
+            <a:fillRect/>
+          </a:stretch>
+        </p:blipFill>
+        <p:spPr>
+          <a:xfrm>
+            <a:off x="1477950" y="2963204"/>
+            <a:ext cx="1313376" cy="656688"/>
+          </a:xfrm>
+          <a:prstGeom prst="rect">
+            <a:avLst/>
+          </a:prstGeom>
         </p:spPr>
       </p:pic>
+      <p:pic>
+        <p:nvPicPr>
+          <p:cNvPr id="7" name="Picture 6"/>
+          <p:cNvPicPr>
+            <a:picLocks noChangeAspect="1"/>
+          </p:cNvPicPr>
+          <p:nvPr/>
+        </p:nvPicPr>
+        <p:blipFill>
+          <a:blip r:embed="rId6"/>
+          <a:stretch>
+            <a:fillRect/>
+          </a:stretch>
+        </p:blipFill>
+        <p:spPr>
+          <a:xfrm>
+            <a:off x="3372829" y="1848440"/>
+            <a:ext cx="1593161" cy="831897"/>
+          </a:xfrm>
+          <a:prstGeom prst="rect">
+            <a:avLst/>
+          </a:prstGeom>
+        </p:spPr>
+      </p:pic>
+      <p:sp>
+        <p:nvSpPr>
+          <p:cNvPr id="13" name="Rectangle 12"/>
+          <p:cNvSpPr/>
+          <p:nvPr/>
+        </p:nvSpPr>
+        <p:spPr>
+          <a:xfrm>
+            <a:off x="4510123" y="2385689"/>
+            <a:ext cx="512871" cy="145605"/>
+          </a:xfrm>
+          <a:prstGeom prst="rect">
+            <a:avLst/>
+          </a:prstGeom>
+          <a:noFill/>
+          <a:ln w="12700">
+            <a:solidFill>
+              <a:srgbClr val="FF0000"/>
+            </a:solidFill>
+          </a:ln>
+        </p:spPr>
+        <p:style>
+          <a:lnRef idx="2">
+            <a:schemeClr val="accent1">
+              <a:shade val="50000"/>
+            </a:schemeClr>
+          </a:lnRef>
+          <a:fillRef idx="1">
+            <a:schemeClr val="accent1"/>
+          </a:fillRef>
+          <a:effectRef idx="0">
+            <a:schemeClr val="accent1"/>
+          </a:effectRef>
+          <a:fontRef idx="minor">
+            <a:schemeClr val="lt1"/>
+          </a:fontRef>
+        </p:style>
+        <p:txBody>
+          <a:bodyPr rtlCol="0" anchor="ctr"/>
+          <a:lstStyle/>
+          <a:p>
+            <a:pPr algn="ctr"/>
+            <a:endParaRPr lang="en-US"/>
+          </a:p>
+        </p:txBody>
+      </p:sp>
+      <p:sp>
+        <p:nvSpPr>
+          <p:cNvPr id="15" name="Rectangle 14"/>
+          <p:cNvSpPr/>
+          <p:nvPr/>
+        </p:nvSpPr>
+        <p:spPr>
+          <a:xfrm>
+            <a:off x="2416629" y="3364339"/>
+            <a:ext cx="278446" cy="142007"/>
+          </a:xfrm>
+          <a:prstGeom prst="rect">
+            <a:avLst/>
+          </a:prstGeom>
+          <a:noFill/>
+          <a:ln w="12700">
+            <a:solidFill>
+              <a:srgbClr val="FF0000"/>
+            </a:solidFill>
+          </a:ln>
+        </p:spPr>
+        <p:style>
+          <a:lnRef idx="2">
+            <a:schemeClr val="accent1">
+              <a:shade val="50000"/>
+            </a:schemeClr>
+          </a:lnRef>
+          <a:fillRef idx="1">
+            <a:schemeClr val="accent1"/>
+          </a:fillRef>
+          <a:effectRef idx="0">
+            <a:schemeClr val="accent1"/>
+          </a:effectRef>
+          <a:fontRef idx="minor">
+            <a:schemeClr val="lt1"/>
+          </a:fontRef>
+        </p:style>
+        <p:txBody>
+          <a:bodyPr rtlCol="0" anchor="ctr"/>
+          <a:lstStyle/>
+          <a:p>
+            <a:pPr algn="ctr"/>
+            <a:endParaRPr lang="en-US"/>
+          </a:p>
+        </p:txBody>
+      </p:sp>
     </p:spTree>
     <p:extLst>
       <p:ext uri="{BB962C8B-B14F-4D97-AF65-F5344CB8AC3E}">
-        <p14:creationId xmlns:p14="http://schemas.microsoft.com/office/powerpoint/2010/main" val="1283010616"/>
+        <p14:creationId xmlns:p14="http://schemas.microsoft.com/office/powerpoint/2010/main" val="2004955211"/>
       </p:ext>
     </p:extLst>
   </p:cSld>
   <p:clrMapOvr>
-    <a:masterClrMapping/>
+    <a:overrideClrMapping bg1="lt1" tx1="dk1" bg2="lt2" tx2="dk2" accent1="accent1" accent2="accent2" accent3="accent3" accent4="accent4" accent5="accent5" accent6="accent6" hlink="hlink" folHlink="folHlink"/>
   </p:clrMapOvr>
 </p:sld>
 </file>
 
-<file path=ppt/slides/slide5.xml><?xml version="1.0" encoding="utf-8"?>
+<file path=ppt/slides/slide6.xml><?xml version="1.0" encoding="utf-8"?>
 <p:sld xmlns:a="http://schemas.openxmlformats.org/drawingml/2006/main" xmlns:r="http://schemas.openxmlformats.org/officeDocument/2006/relationships" xmlns:p="http://schemas.openxmlformats.org/presentationml/2006/main">
   <p:cSld>
+    <p:bg>
+      <p:bgRef idx="1001">
+        <a:schemeClr val="bg1"/>
+      </p:bgRef>
+    </p:bg>
     <p:spTree>
       <p:nvGrpSpPr>
         <p:cNvPr id="1" name=""/>
@@ -4214,11 +5551,11 @@
           <a:lstStyle/>
           <a:p>
             <a:r>
-              <a:rPr lang="en" sz="2400" dirty="0" smtClean="0">
+              <a:rPr lang="en-US" sz="2400" dirty="0" smtClean="0">
                 <a:latin typeface="Segoe UI" panose="020B0502040204020203" pitchFamily="34" charset="0"/>
                 <a:cs typeface="Segoe UI" panose="020B0502040204020203" pitchFamily="34" charset="0"/>
               </a:rPr>
-              <a:t>The dispersion</a:t>
+              <a:t>The Scatter</a:t>
             </a:r>
             <a:endParaRPr lang="en-US" sz="2400" dirty="0">
               <a:latin typeface="Segoe UI" panose="020B0502040204020203" pitchFamily="34" charset="0"/>
@@ -4229,14 +5566,14 @@
       </p:sp>
       <p:sp>
         <p:nvSpPr>
-          <p:cNvPr id="4" name="Rectangle 3"/>
+          <p:cNvPr id="3" name="Rectangle 2"/>
           <p:cNvSpPr/>
           <p:nvPr/>
         </p:nvSpPr>
         <p:spPr>
           <a:xfrm>
-            <a:off x="421677" y="767343"/>
-            <a:ext cx="11708446" cy="373692"/>
+            <a:off x="414803" y="678090"/>
+            <a:ext cx="9973606" cy="421654"/>
           </a:xfrm>
           <a:prstGeom prst="rect">
             <a:avLst/>
@@ -4248,23 +5585,56 @@
           </a:bodyPr>
           <a:lstStyle/>
           <a:p>
-            <a:pPr lvl="0">
+            <a:pPr>
               <a:lnSpc>
                 <a:spcPct val="107000"/>
               </a:lnSpc>
               <a:spcAft>
-                <a:spcPts val="0"/>
+                <a:spcPts val="800"/>
               </a:spcAft>
             </a:pPr>
             <a:r>
-              <a:rPr lang="en" dirty="0" smtClean="0">
-                <a:latin typeface="Segoe UI" panose="020B0502040204020203" pitchFamily="34" charset="0"/>
-                <a:ea typeface="Calibri" panose="020F0502020204030204" pitchFamily="34" charset="0"/>
-                <a:cs typeface="Times New Roman" panose="02020603050405020304" pitchFamily="18" charset="0"/>
-              </a:rPr>
-              <a:t>It should be noted that the reading of the data is still not conclusive.</a:t>
-            </a:r>
-            <a:endParaRPr lang="en-US" sz="1400" dirty="0">
+              <a:rPr lang="fr-FR" sz="2000" dirty="0" err="1" smtClean="0"/>
+              <a:t>Then</a:t>
+            </a:r>
+            <a:r>
+              <a:rPr lang="fr-FR" sz="2000" dirty="0" smtClean="0"/>
+              <a:t> </a:t>
+            </a:r>
+            <a:r>
+              <a:rPr lang="fr-FR" sz="2000" dirty="0" err="1" smtClean="0"/>
+              <a:t>add</a:t>
+            </a:r>
+            <a:r>
+              <a:rPr lang="fr-FR" sz="2000" dirty="0" smtClean="0"/>
+              <a:t> </a:t>
+            </a:r>
+            <a:r>
+              <a:rPr lang="fr-FR" sz="2000" b="1" dirty="0" smtClean="0"/>
+              <a:t>Channel Name</a:t>
+            </a:r>
+            <a:r>
+              <a:rPr lang="fr-FR" sz="2000" dirty="0" smtClean="0"/>
+              <a:t> to the </a:t>
+            </a:r>
+            <a:r>
+              <a:rPr lang="fr-FR" sz="2000" b="1" dirty="0" err="1" smtClean="0"/>
+              <a:t>Legend</a:t>
+            </a:r>
+            <a:r>
+              <a:rPr lang="fr-FR" sz="2000" b="1" dirty="0" smtClean="0"/>
+              <a:t>  </a:t>
+            </a:r>
+            <a:r>
+              <a:rPr lang="fr-FR" sz="2000" dirty="0"/>
+              <a:t>a</a:t>
+            </a:r>
+            <a:r>
+              <a:rPr lang="fr-FR" sz="2000" dirty="0" smtClean="0"/>
+              <a:t>nd observe</a:t>
+            </a:r>
+            <a:endParaRPr lang="en-US" sz="1600" b="1" dirty="0">
+              <a:effectLst/>
               <a:latin typeface="Calibri" panose="020F0502020204030204" pitchFamily="34" charset="0"/>
               <a:ea typeface="Calibri" panose="020F0502020204030204" pitchFamily="34" charset="0"/>
               <a:cs typeface="Times New Roman" panose="02020603050405020304" pitchFamily="18" charset="0"/>
@@ -4272,165 +5642,99 @@
           </a:p>
         </p:txBody>
       </p:sp>
-      <p:sp>
-        <p:nvSpPr>
-          <p:cNvPr id="3" name="Rectangle 2"/>
-          <p:cNvSpPr/>
-          <p:nvPr/>
-        </p:nvSpPr>
-        <p:spPr>
-          <a:xfrm>
-            <a:off x="421677" y="1254208"/>
-            <a:ext cx="11403646" cy="373692"/>
-          </a:xfrm>
-          <a:prstGeom prst="rect">
-            <a:avLst/>
-          </a:prstGeom>
-        </p:spPr>
-        <p:txBody>
-          <a:bodyPr wrap="square">
-            <a:spAutoFit/>
-          </a:bodyPr>
-          <a:lstStyle/>
-          <a:p>
-            <a:pPr lvl="0">
-              <a:lnSpc>
-                <a:spcPct val="107000"/>
-              </a:lnSpc>
-              <a:spcAft>
-                <a:spcPts val="0"/>
-              </a:spcAft>
-            </a:pPr>
-            <a:r>
-              <a:rPr lang="en" dirty="0" smtClean="0">
-                <a:latin typeface="Segoe UI" panose="020B0502040204020203" pitchFamily="34" charset="0"/>
-                <a:ea typeface="Calibri" panose="020F0502020204030204" pitchFamily="34" charset="0"/>
-                <a:cs typeface="Times New Roman" panose="02020603050405020304" pitchFamily="18" charset="0"/>
-              </a:rPr>
-              <a:t>Add </a:t>
-            </a:r>
-            <a:r>
-              <a:rPr lang="en" b="1" dirty="0" smtClean="0">
-                <a:latin typeface="Segoe UI" panose="020B0502040204020203" pitchFamily="34" charset="0"/>
-                <a:ea typeface="Calibri" panose="020F0502020204030204" pitchFamily="34" charset="0"/>
-                <a:cs typeface="Times New Roman" panose="02020603050405020304" pitchFamily="18" charset="0"/>
-              </a:rPr>
-              <a:t>a class </a:t>
-            </a:r>
-            <a:r>
-              <a:rPr lang="en" dirty="0" smtClean="0">
-                <a:latin typeface="Segoe UI" panose="020B0502040204020203" pitchFamily="34" charset="0"/>
-                <a:ea typeface="Calibri" panose="020F0502020204030204" pitchFamily="34" charset="0"/>
-                <a:cs typeface="Times New Roman" panose="02020603050405020304" pitchFamily="18" charset="0"/>
-              </a:rPr>
-              <a:t>from</a:t>
-            </a:r>
-            <a:r>
-              <a:rPr lang="en" b="1" dirty="0" smtClean="0">
-                <a:latin typeface="Segoe UI" panose="020B0502040204020203" pitchFamily="34" charset="0"/>
-                <a:ea typeface="Calibri" panose="020F0502020204030204" pitchFamily="34" charset="0"/>
-                <a:cs typeface="Times New Roman" panose="02020603050405020304" pitchFamily="18" charset="0"/>
-              </a:rPr>
-              <a:t> </a:t>
-            </a:r>
-            <a:r>
-              <a:rPr lang="en" b="1" dirty="0" err="1" smtClean="0">
-                <a:latin typeface="Segoe UI" panose="020B0502040204020203" pitchFamily="34" charset="0"/>
-                <a:ea typeface="Calibri" panose="020F0502020204030204" pitchFamily="34" charset="0"/>
-                <a:cs typeface="Times New Roman" panose="02020603050405020304" pitchFamily="18" charset="0"/>
-              </a:rPr>
-              <a:t>DimProduct</a:t>
-            </a:r>
-            <a:r>
-              <a:rPr lang="en" b="1" dirty="0" smtClean="0">
-                <a:latin typeface="Segoe UI" panose="020B0502040204020203" pitchFamily="34" charset="0"/>
-                <a:ea typeface="Calibri" panose="020F0502020204030204" pitchFamily="34" charset="0"/>
-                <a:cs typeface="Times New Roman" panose="02020603050405020304" pitchFamily="18" charset="0"/>
-              </a:rPr>
-              <a:t> </a:t>
-            </a:r>
-            <a:r>
-              <a:rPr lang="en" dirty="0" smtClean="0">
-                <a:latin typeface="Segoe UI" panose="020B0502040204020203" pitchFamily="34" charset="0"/>
-                <a:ea typeface="Calibri" panose="020F0502020204030204" pitchFamily="34" charset="0"/>
-                <a:cs typeface="Times New Roman" panose="02020603050405020304" pitchFamily="18" charset="0"/>
-              </a:rPr>
-              <a:t>table at </a:t>
-            </a:r>
-            <a:r>
-              <a:rPr lang="en" b="1" dirty="0" smtClean="0">
-                <a:latin typeface="Segoe UI" panose="020B0502040204020203" pitchFamily="34" charset="0"/>
-                <a:ea typeface="Calibri" panose="020F0502020204030204" pitchFamily="34" charset="0"/>
-                <a:cs typeface="Times New Roman" panose="02020603050405020304" pitchFamily="18" charset="0"/>
-              </a:rPr>
-              <a:t>the legend level </a:t>
-            </a:r>
-            <a:r>
-              <a:rPr lang="en" dirty="0" smtClean="0">
-                <a:latin typeface="Segoe UI" panose="020B0502040204020203" pitchFamily="34" charset="0"/>
-                <a:ea typeface="Calibri" panose="020F0502020204030204" pitchFamily="34" charset="0"/>
-                <a:cs typeface="Times New Roman" panose="02020603050405020304" pitchFamily="18" charset="0"/>
-              </a:rPr>
-              <a:t>and aggregate the two measures again</a:t>
-            </a:r>
-            <a:endParaRPr lang="en-US" sz="1400" dirty="0">
-              <a:latin typeface="Calibri" panose="020F0502020204030204" pitchFamily="34" charset="0"/>
-              <a:ea typeface="Calibri" panose="020F0502020204030204" pitchFamily="34" charset="0"/>
-              <a:cs typeface="Times New Roman" panose="02020603050405020304" pitchFamily="18" charset="0"/>
-            </a:endParaRPr>
-          </a:p>
-        </p:txBody>
-      </p:sp>
       <p:pic>
         <p:nvPicPr>
-          <p:cNvPr id="8" name="Picture 7"/>
+          <p:cNvPr id="6" name="Picture 5"/>
           <p:cNvPicPr>
             <a:picLocks noChangeAspect="1"/>
           </p:cNvPicPr>
           <p:nvPr/>
         </p:nvPicPr>
         <p:blipFill>
-          <a:blip r:embed="rId2"/>
+          <a:blip r:embed="rId4"/>
           <a:stretch>
             <a:fillRect/>
           </a:stretch>
         </p:blipFill>
         <p:spPr>
           <a:xfrm>
-            <a:off x="495013" y="1839103"/>
-            <a:ext cx="5312561" cy="4229274"/>
+            <a:off x="623974" y="1266523"/>
+            <a:ext cx="10050278" cy="4324954"/>
           </a:xfrm>
           <a:prstGeom prst="rect">
             <a:avLst/>
           </a:prstGeom>
+        </p:spPr>
+      </p:pic>
+      <p:sp>
+        <p:nvSpPr>
+          <p:cNvPr id="16" name="Rectangle 15"/>
+          <p:cNvSpPr/>
+          <p:nvPr/>
+        </p:nvSpPr>
+        <p:spPr>
+          <a:xfrm>
+            <a:off x="7789783" y="3429000"/>
+            <a:ext cx="2784256" cy="217317"/>
+          </a:xfrm>
+          <a:prstGeom prst="rect">
+            <a:avLst/>
+          </a:prstGeom>
+          <a:solidFill>
+            <a:srgbClr val="FF0000">
+              <a:alpha val="17000"/>
+            </a:srgbClr>
+          </a:solidFill>
           <a:ln>
             <a:noFill/>
           </a:ln>
-          <a:effectLst>
-            <a:outerShdw blurRad="292100" dist="139700" dir="2700000" algn="tl" rotWithShape="0">
-              <a:srgbClr val="333333">
-                <a:alpha val="65000"/>
-              </a:srgbClr>
-            </a:outerShdw>
-          </a:effectLst>
-        </p:spPr>
-      </p:pic>
+        </p:spPr>
+        <p:style>
+          <a:lnRef idx="2">
+            <a:schemeClr val="accent1">
+              <a:shade val="50000"/>
+            </a:schemeClr>
+          </a:lnRef>
+          <a:fillRef idx="1">
+            <a:schemeClr val="accent1"/>
+          </a:fillRef>
+          <a:effectRef idx="0">
+            <a:schemeClr val="accent1"/>
+          </a:effectRef>
+          <a:fontRef idx="minor">
+            <a:schemeClr val="lt1"/>
+          </a:fontRef>
+        </p:style>
+        <p:txBody>
+          <a:bodyPr rtlCol="0" anchor="ctr"/>
+          <a:lstStyle/>
+          <a:p>
+            <a:pPr algn="ctr"/>
+            <a:endParaRPr lang="en-US"/>
+          </a:p>
+        </p:txBody>
+      </p:sp>
     </p:spTree>
     <p:extLst>
       <p:ext uri="{BB962C8B-B14F-4D97-AF65-F5344CB8AC3E}">
-        <p14:creationId xmlns:p14="http://schemas.microsoft.com/office/powerpoint/2010/main" val="685893021"/>
+        <p14:creationId xmlns:p14="http://schemas.microsoft.com/office/powerpoint/2010/main" val="37600552"/>
       </p:ext>
     </p:extLst>
   </p:cSld>
   <p:clrMapOvr>
-    <a:masterClrMapping/>
+    <a:overrideClrMapping bg1="lt1" tx1="dk1" bg2="lt2" tx2="dk2" accent1="accent1" accent2="accent2" accent3="accent3" accent4="accent4" accent5="accent5" accent6="accent6" hlink="hlink" folHlink="folHlink"/>
   </p:clrMapOvr>
 </p:sld>
 </file>
 
-<file path=ppt/slides/slide6.xml><?xml version="1.0" encoding="utf-8"?>
+<file path=ppt/slides/slide7.xml><?xml version="1.0" encoding="utf-8"?>
 <p:sld xmlns:a="http://schemas.openxmlformats.org/drawingml/2006/main" xmlns:r="http://schemas.openxmlformats.org/officeDocument/2006/relationships" xmlns:p="http://schemas.openxmlformats.org/presentationml/2006/main">
   <p:cSld>
+    <p:bg>
+      <p:bgRef idx="1001">
+        <a:schemeClr val="bg1"/>
+      </p:bgRef>
+    </p:bg>
     <p:spTree>
       <p:nvGrpSpPr>
         <p:cNvPr id="1" name=""/>
@@ -4468,11 +5772,11 @@
           <a:lstStyle/>
           <a:p>
             <a:r>
-              <a:rPr lang="en" sz="2400" dirty="0" smtClean="0">
+              <a:rPr lang="en-US" sz="2400" dirty="0" smtClean="0">
                 <a:latin typeface="Segoe UI" panose="020B0502040204020203" pitchFamily="34" charset="0"/>
                 <a:cs typeface="Segoe UI" panose="020B0502040204020203" pitchFamily="34" charset="0"/>
               </a:rPr>
-              <a:t>The dispersion</a:t>
+              <a:t>The Scatter</a:t>
             </a:r>
             <a:endParaRPr lang="en-US" sz="2400" dirty="0">
               <a:latin typeface="Segoe UI" panose="020B0502040204020203" pitchFamily="34" charset="0"/>
@@ -4483,14 +5787,14 @@
       </p:sp>
       <p:sp>
         <p:nvSpPr>
-          <p:cNvPr id="7" name="Rectangle 6"/>
+          <p:cNvPr id="3" name="Rectangle 2"/>
           <p:cNvSpPr/>
           <p:nvPr/>
         </p:nvSpPr>
         <p:spPr>
           <a:xfrm>
-            <a:off x="323133" y="803176"/>
-            <a:ext cx="11096554" cy="685059"/>
+            <a:off x="414803" y="678090"/>
+            <a:ext cx="9973606" cy="407035"/>
           </a:xfrm>
           <a:prstGeom prst="rect">
             <a:avLst/>
@@ -4502,280 +5806,44 @@
           </a:bodyPr>
           <a:lstStyle/>
           <a:p>
-            <a:pPr lvl="0">
+            <a:pPr>
               <a:lnSpc>
                 <a:spcPct val="107000"/>
               </a:lnSpc>
               <a:spcAft>
-                <a:spcPts val="0"/>
+                <a:spcPts val="800"/>
               </a:spcAft>
             </a:pPr>
             <a:r>
-              <a:rPr lang="en" b="1" dirty="0" err="1" smtClean="0">
-                <a:latin typeface="Segoe UI" panose="020B0502040204020203" pitchFamily="34" charset="0"/>
-                <a:ea typeface="Calibri" panose="020F0502020204030204" pitchFamily="34" charset="0"/>
-                <a:cs typeface="Times New Roman" panose="02020603050405020304" pitchFamily="18" charset="0"/>
-              </a:rPr>
-              <a:t>DimProduct </a:t>
-            </a:r>
-            <a:r>
-              <a:rPr lang="en" dirty="0" smtClean="0">
-                <a:latin typeface="Segoe UI" panose="020B0502040204020203" pitchFamily="34" charset="0"/>
-                <a:ea typeface="Calibri" panose="020F0502020204030204" pitchFamily="34" charset="0"/>
-                <a:cs typeface="Times New Roman" panose="02020603050405020304" pitchFamily="18" charset="0"/>
-              </a:rPr>
-              <a:t>replacement </a:t>
-            </a:r>
-            <a:r>
-              <a:rPr lang="en" b="1" dirty="0" smtClean="0">
-                <a:latin typeface="Segoe UI" panose="020B0502040204020203" pitchFamily="34" charset="0"/>
-                <a:ea typeface="Calibri" panose="020F0502020204030204" pitchFamily="34" charset="0"/>
-                <a:cs typeface="Times New Roman" panose="02020603050405020304" pitchFamily="18" charset="0"/>
-              </a:rPr>
-              <a:t>class </a:t>
-            </a:r>
-            <a:r>
-              <a:rPr lang="en" dirty="0" smtClean="0">
-                <a:latin typeface="Segoe UI" panose="020B0502040204020203" pitchFamily="34" charset="0"/>
-                <a:ea typeface="Calibri" panose="020F0502020204030204" pitchFamily="34" charset="0"/>
-                <a:cs typeface="Times New Roman" panose="02020603050405020304" pitchFamily="18" charset="0"/>
-              </a:rPr>
-              <a:t>with </a:t>
-            </a:r>
-            <a:r>
-              <a:rPr lang="en" b="1" dirty="0" smtClean="0">
-                <a:latin typeface="Segoe UI" panose="020B0502040204020203" pitchFamily="34" charset="0"/>
-                <a:ea typeface="Calibri" panose="020F0502020204030204" pitchFamily="34" charset="0"/>
-                <a:cs typeface="Times New Roman" panose="02020603050405020304" pitchFamily="18" charset="0"/>
-              </a:rPr>
-              <a:t>gender</a:t>
-            </a:r>
-            <a:r>
-              <a:rPr lang="en" dirty="0" smtClean="0">
-                <a:latin typeface="Segoe UI" panose="020B0502040204020203" pitchFamily="34" charset="0"/>
-                <a:ea typeface="Calibri" panose="020F0502020204030204" pitchFamily="34" charset="0"/>
-                <a:cs typeface="Times New Roman" panose="02020603050405020304" pitchFamily="18" charset="0"/>
-              </a:rPr>
+              <a:rPr lang="fr-FR" sz="2000" dirty="0" err="1" smtClean="0"/>
+              <a:t>Activate</a:t>
+            </a:r>
+            <a:r>
+              <a:rPr lang="fr-FR" sz="2000" dirty="0" smtClean="0"/>
+              <a:t> the </a:t>
+            </a:r>
+            <a:r>
+              <a:rPr lang="fr-FR" sz="2000" b="1" dirty="0" smtClean="0"/>
+              <a:t>Zoom </a:t>
+            </a:r>
+            <a:r>
+              <a:rPr lang="fr-FR" sz="2000" b="1" dirty="0" err="1" smtClean="0"/>
+              <a:t>slider</a:t>
+            </a:r>
+            <a:r>
+              <a:rPr lang="fr-FR" sz="2000" b="1" dirty="0" smtClean="0"/>
               <a:t> </a:t>
             </a:r>
             <a:r>
-              <a:rPr lang="en" b="1" dirty="0" smtClean="0">
-                <a:latin typeface="Segoe UI" panose="020B0502040204020203" pitchFamily="34" charset="0"/>
-                <a:ea typeface="Calibri" panose="020F0502020204030204" pitchFamily="34" charset="0"/>
-                <a:cs typeface="Times New Roman" panose="02020603050405020304" pitchFamily="18" charset="0"/>
-              </a:rPr>
-              <a:t> </a:t>
-            </a:r>
-            <a:r>
-              <a:rPr lang="en" dirty="0" smtClean="0">
-                <a:latin typeface="Segoe UI" panose="020B0502040204020203" pitchFamily="34" charset="0"/>
-                <a:ea typeface="Calibri" panose="020F0502020204030204" pitchFamily="34" charset="0"/>
-                <a:cs typeface="Times New Roman" panose="02020603050405020304" pitchFamily="18" charset="0"/>
-              </a:rPr>
-              <a:t>from </a:t>
-            </a:r>
-            <a:r>
-              <a:rPr lang="en" b="1" dirty="0" err="1" smtClean="0">
-                <a:latin typeface="Segoe UI" panose="020B0502040204020203" pitchFamily="34" charset="0"/>
-                <a:ea typeface="Calibri" panose="020F0502020204030204" pitchFamily="34" charset="0"/>
-                <a:cs typeface="Times New Roman" panose="02020603050405020304" pitchFamily="18" charset="0"/>
-              </a:rPr>
-              <a:t>DimCustomer</a:t>
-            </a:r>
-            <a:r>
-              <a:rPr lang="en" b="1" dirty="0" smtClean="0">
-                <a:latin typeface="Segoe UI" panose="020B0502040204020203" pitchFamily="34" charset="0"/>
-                <a:ea typeface="Calibri" panose="020F0502020204030204" pitchFamily="34" charset="0"/>
-                <a:cs typeface="Times New Roman" panose="02020603050405020304" pitchFamily="18" charset="0"/>
-              </a:rPr>
-              <a:t> </a:t>
-            </a:r>
-            <a:r>
-              <a:rPr lang="en" dirty="0" smtClean="0">
-                <a:latin typeface="Segoe UI" panose="020B0502040204020203" pitchFamily="34" charset="0"/>
-                <a:ea typeface="Calibri" panose="020F0502020204030204" pitchFamily="34" charset="0"/>
-                <a:cs typeface="Times New Roman" panose="02020603050405020304" pitchFamily="18" charset="0"/>
-              </a:rPr>
-              <a:t>painting </a:t>
-            </a:r>
-            <a:r>
-              <a:rPr lang="en" b="1" dirty="0" smtClean="0">
-                <a:latin typeface="Segoe UI" panose="020B0502040204020203" pitchFamily="34" charset="0"/>
-                <a:ea typeface="Calibri" panose="020F0502020204030204" pitchFamily="34" charset="0"/>
-                <a:cs typeface="Times New Roman" panose="02020603050405020304" pitchFamily="18" charset="0"/>
-              </a:rPr>
-              <a:t> </a:t>
-            </a:r>
-            <a:r>
-              <a:rPr lang="en" dirty="0" smtClean="0">
-                <a:latin typeface="Segoe UI" panose="020B0502040204020203" pitchFamily="34" charset="0"/>
-                <a:ea typeface="Calibri" panose="020F0502020204030204" pitchFamily="34" charset="0"/>
-                <a:cs typeface="Times New Roman" panose="02020603050405020304" pitchFamily="18" charset="0"/>
-              </a:rPr>
-              <a:t>and pay particular attention to outliers</a:t>
-            </a:r>
-            <a:endParaRPr lang="en-US" sz="1400" dirty="0">
-              <a:latin typeface="Calibri" panose="020F0502020204030204" pitchFamily="34" charset="0"/>
-              <a:ea typeface="Calibri" panose="020F0502020204030204" pitchFamily="34" charset="0"/>
-              <a:cs typeface="Times New Roman" panose="02020603050405020304" pitchFamily="18" charset="0"/>
-            </a:endParaRPr>
-          </a:p>
-        </p:txBody>
-      </p:sp>
-      <p:pic>
-        <p:nvPicPr>
-          <p:cNvPr id="6" name="Picture 5"/>
-          <p:cNvPicPr>
-            <a:picLocks noChangeAspect="1"/>
-          </p:cNvPicPr>
-          <p:nvPr/>
-        </p:nvPicPr>
-        <p:blipFill>
-          <a:blip r:embed="rId2"/>
-          <a:stretch>
-            <a:fillRect/>
-          </a:stretch>
-        </p:blipFill>
-        <p:spPr>
-          <a:xfrm>
-            <a:off x="495013" y="1637241"/>
-            <a:ext cx="4408766" cy="3544063"/>
-          </a:xfrm>
-          <a:prstGeom prst="rect">
-            <a:avLst/>
-          </a:prstGeom>
-          <a:ln>
-            <a:noFill/>
-          </a:ln>
-          <a:effectLst>
-            <a:outerShdw blurRad="292100" dist="139700" dir="2700000" algn="tl" rotWithShape="0">
-              <a:srgbClr val="333333">
-                <a:alpha val="65000"/>
-              </a:srgbClr>
-            </a:outerShdw>
-          </a:effectLst>
-        </p:spPr>
-      </p:pic>
-    </p:spTree>
-    <p:extLst>
-      <p:ext uri="{BB962C8B-B14F-4D97-AF65-F5344CB8AC3E}">
-        <p14:creationId xmlns:p14="http://schemas.microsoft.com/office/powerpoint/2010/main" val="3342199348"/>
-      </p:ext>
-    </p:extLst>
-  </p:cSld>
-  <p:clrMapOvr>
-    <a:masterClrMapping/>
-  </p:clrMapOvr>
-</p:sld>
-</file>
-
-<file path=ppt/slides/slide7.xml><?xml version="1.0" encoding="utf-8"?>
-<p:sld xmlns:a="http://schemas.openxmlformats.org/drawingml/2006/main" xmlns:r="http://schemas.openxmlformats.org/officeDocument/2006/relationships" xmlns:p="http://schemas.openxmlformats.org/presentationml/2006/main">
-  <p:cSld>
-    <p:spTree>
-      <p:nvGrpSpPr>
-        <p:cNvPr id="1" name=""/>
-        <p:cNvGrpSpPr/>
-        <p:nvPr/>
-      </p:nvGrpSpPr>
-      <p:grpSpPr>
-        <a:xfrm>
-          <a:off x="0" y="0"/>
-          <a:ext cx="0" cy="0"/>
-          <a:chOff x="0" y="0"/>
-          <a:chExt cx="0" cy="0"/>
-        </a:xfrm>
-      </p:grpSpPr>
-      <p:sp>
-        <p:nvSpPr>
-          <p:cNvPr id="2" name="TextBox 1"/>
-          <p:cNvSpPr txBox="1"/>
-          <p:nvPr/>
-        </p:nvSpPr>
-        <p:spPr>
-          <a:xfrm>
-            <a:off x="323133" y="192505"/>
-            <a:ext cx="1703480" cy="461665"/>
-          </a:xfrm>
-          <a:prstGeom prst="rect">
-            <a:avLst/>
-          </a:prstGeom>
-          <a:noFill/>
-        </p:spPr>
-        <p:txBody>
-          <a:bodyPr wrap="none" rtlCol="0">
-            <a:spAutoFit/>
-          </a:bodyPr>
-          <a:lstStyle/>
-          <a:p>
-            <a:r>
-              <a:rPr lang="en" sz="2400" dirty="0" smtClean="0">
-                <a:latin typeface="Segoe UI" panose="020B0502040204020203" pitchFamily="34" charset="0"/>
-                <a:cs typeface="Segoe UI" panose="020B0502040204020203" pitchFamily="34" charset="0"/>
-              </a:rPr>
-              <a:t>The dispersion</a:t>
-            </a:r>
-            <a:endParaRPr lang="en-US" sz="2400" dirty="0">
-              <a:latin typeface="Segoe UI" panose="020B0502040204020203" pitchFamily="34" charset="0"/>
-              <a:cs typeface="Segoe UI" panose="020B0502040204020203" pitchFamily="34" charset="0"/>
-            </a:endParaRPr>
-          </a:p>
-        </p:txBody>
-      </p:sp>
-      <p:sp>
-        <p:nvSpPr>
-          <p:cNvPr id="7" name="Rectangle 6"/>
-          <p:cNvSpPr/>
-          <p:nvPr/>
-        </p:nvSpPr>
-        <p:spPr>
-          <a:xfrm>
-            <a:off x="323133" y="803176"/>
-            <a:ext cx="11096554" cy="373692"/>
-          </a:xfrm>
-          <a:prstGeom prst="rect">
-            <a:avLst/>
-          </a:prstGeom>
-        </p:spPr>
-        <p:txBody>
-          <a:bodyPr wrap="square">
-            <a:spAutoFit/>
-          </a:bodyPr>
-          <a:lstStyle/>
-          <a:p>
-            <a:pPr lvl="0">
-              <a:lnSpc>
-                <a:spcPct val="107000"/>
-              </a:lnSpc>
-              <a:spcAft>
-                <a:spcPts val="0"/>
-              </a:spcAft>
-            </a:pPr>
-            <a:r>
-              <a:rPr lang="en" dirty="0" smtClean="0">
-                <a:latin typeface="Segoe UI" panose="020B0502040204020203" pitchFamily="34" charset="0"/>
-                <a:ea typeface="Calibri" panose="020F0502020204030204" pitchFamily="34" charset="0"/>
-                <a:cs typeface="Times New Roman" panose="02020603050405020304" pitchFamily="18" charset="0"/>
-              </a:rPr>
-              <a:t>Try enabling </a:t>
-            </a:r>
-            <a:r>
-              <a:rPr lang="en" b="1" dirty="0" smtClean="0">
-                <a:latin typeface="Segoe UI" panose="020B0502040204020203" pitchFamily="34" charset="0"/>
-                <a:ea typeface="Calibri" panose="020F0502020204030204" pitchFamily="34" charset="0"/>
-                <a:cs typeface="Times New Roman" panose="02020603050405020304" pitchFamily="18" charset="0"/>
-              </a:rPr>
-              <a:t>the trend line </a:t>
-            </a:r>
-            <a:r>
-              <a:rPr lang="en" dirty="0" smtClean="0">
-                <a:latin typeface="Segoe UI" panose="020B0502040204020203" pitchFamily="34" charset="0"/>
-                <a:ea typeface="Calibri" panose="020F0502020204030204" pitchFamily="34" charset="0"/>
-                <a:cs typeface="Times New Roman" panose="02020603050405020304" pitchFamily="18" charset="0"/>
-              </a:rPr>
-              <a:t>from Analytics</a:t>
-            </a:r>
-            <a:endParaRPr lang="en-US" sz="1400" dirty="0">
+              <a:rPr lang="fr-FR" sz="2000" dirty="0" err="1" smtClean="0"/>
+              <a:t>from</a:t>
+            </a:r>
+            <a:r>
+              <a:rPr lang="fr-FR" sz="2000" dirty="0" smtClean="0"/>
+              <a:t> the format tab</a:t>
+            </a:r>
+            <a:endParaRPr lang="en-US" sz="1600" b="1" dirty="0">
+              <a:effectLst/>
               <a:latin typeface="Calibri" panose="020F0502020204030204" pitchFamily="34" charset="0"/>
               <a:ea typeface="Calibri" panose="020F0502020204030204" pitchFamily="34" charset="0"/>
               <a:cs typeface="Times New Roman" panose="02020603050405020304" pitchFamily="18" charset="0"/>
@@ -4792,29 +5860,19 @@
           <p:nvPr/>
         </p:nvPicPr>
         <p:blipFill>
-          <a:blip r:embed="rId2"/>
+          <a:blip r:embed="rId4"/>
           <a:stretch>
             <a:fillRect/>
           </a:stretch>
         </p:blipFill>
         <p:spPr>
           <a:xfrm>
-            <a:off x="602426" y="1416159"/>
-            <a:ext cx="2848373" cy="4410691"/>
+            <a:off x="8949933" y="254037"/>
+            <a:ext cx="2876951" cy="6487430"/>
           </a:xfrm>
           <a:prstGeom prst="rect">
             <a:avLst/>
           </a:prstGeom>
-          <a:ln>
-            <a:noFill/>
-          </a:ln>
-          <a:effectLst>
-            <a:outerShdw blurRad="292100" dist="139700" dir="2700000" algn="tl" rotWithShape="0">
-              <a:srgbClr val="333333">
-                <a:alpha val="65000"/>
-              </a:srgbClr>
-            </a:outerShdw>
-          </a:effectLst>
         </p:spPr>
       </p:pic>
       <p:pic>
@@ -4826,40 +5884,126 @@
           <p:nvPr/>
         </p:nvPicPr>
         <p:blipFill>
-          <a:blip r:embed="rId3"/>
+          <a:blip r:embed="rId5"/>
           <a:stretch>
             <a:fillRect/>
           </a:stretch>
         </p:blipFill>
         <p:spPr>
           <a:xfrm>
-            <a:off x="3892355" y="1416160"/>
-            <a:ext cx="5609267" cy="4482752"/>
+            <a:off x="597851" y="1238033"/>
+            <a:ext cx="6211167" cy="4134427"/>
           </a:xfrm>
           <a:prstGeom prst="rect">
             <a:avLst/>
           </a:prstGeom>
+        </p:spPr>
+      </p:pic>
+      <p:sp>
+        <p:nvSpPr>
+          <p:cNvPr id="8" name="Rectangle 7"/>
+          <p:cNvSpPr/>
+          <p:nvPr/>
+        </p:nvSpPr>
+        <p:spPr>
+          <a:xfrm>
+            <a:off x="1311888" y="4212773"/>
+            <a:ext cx="5497129" cy="173598"/>
+          </a:xfrm>
+          <a:prstGeom prst="rect">
+            <a:avLst/>
+          </a:prstGeom>
+          <a:solidFill>
+            <a:srgbClr val="FF0000">
+              <a:alpha val="17000"/>
+            </a:srgbClr>
+          </a:solidFill>
           <a:ln>
             <a:noFill/>
           </a:ln>
-          <a:effectLst>
-            <a:outerShdw blurRad="292100" dist="139700" dir="2700000" algn="tl" rotWithShape="0">
-              <a:srgbClr val="333333">
-                <a:alpha val="65000"/>
-              </a:srgbClr>
-            </a:outerShdw>
-          </a:effectLst>
-        </p:spPr>
-      </p:pic>
+        </p:spPr>
+        <p:style>
+          <a:lnRef idx="2">
+            <a:schemeClr val="accent1">
+              <a:shade val="50000"/>
+            </a:schemeClr>
+          </a:lnRef>
+          <a:fillRef idx="1">
+            <a:schemeClr val="accent1"/>
+          </a:fillRef>
+          <a:effectRef idx="0">
+            <a:schemeClr val="accent1"/>
+          </a:effectRef>
+          <a:fontRef idx="minor">
+            <a:schemeClr val="lt1"/>
+          </a:fontRef>
+        </p:style>
+        <p:txBody>
+          <a:bodyPr rtlCol="0" anchor="ctr"/>
+          <a:lstStyle/>
+          <a:p>
+            <a:pPr algn="ctr"/>
+            <a:endParaRPr lang="en-US"/>
+          </a:p>
+        </p:txBody>
+      </p:sp>
+      <p:sp>
+        <p:nvSpPr>
+          <p:cNvPr id="9" name="Rectangle 8"/>
+          <p:cNvSpPr/>
+          <p:nvPr/>
+        </p:nvSpPr>
+        <p:spPr>
+          <a:xfrm>
+            <a:off x="790521" y="1925053"/>
+            <a:ext cx="172006" cy="2124467"/>
+          </a:xfrm>
+          <a:prstGeom prst="rect">
+            <a:avLst/>
+          </a:prstGeom>
+          <a:solidFill>
+            <a:srgbClr val="FF0000">
+              <a:alpha val="17000"/>
+            </a:srgbClr>
+          </a:solidFill>
+          <a:ln>
+            <a:noFill/>
+          </a:ln>
+        </p:spPr>
+        <p:style>
+          <a:lnRef idx="2">
+            <a:schemeClr val="accent1">
+              <a:shade val="50000"/>
+            </a:schemeClr>
+          </a:lnRef>
+          <a:fillRef idx="1">
+            <a:schemeClr val="accent1"/>
+          </a:fillRef>
+          <a:effectRef idx="0">
+            <a:schemeClr val="accent1"/>
+          </a:effectRef>
+          <a:fontRef idx="minor">
+            <a:schemeClr val="lt1"/>
+          </a:fontRef>
+        </p:style>
+        <p:txBody>
+          <a:bodyPr rtlCol="0" anchor="ctr"/>
+          <a:lstStyle/>
+          <a:p>
+            <a:pPr algn="ctr"/>
+            <a:endParaRPr lang="en-US"/>
+          </a:p>
+        </p:txBody>
+      </p:sp>
     </p:spTree>
     <p:extLst>
       <p:ext uri="{BB962C8B-B14F-4D97-AF65-F5344CB8AC3E}">
-        <p14:creationId xmlns:p14="http://schemas.microsoft.com/office/powerpoint/2010/main" val="6174338"/>
+        <p14:creationId xmlns:p14="http://schemas.microsoft.com/office/powerpoint/2010/main" val="2518135113"/>
       </p:ext>
     </p:extLst>
   </p:cSld>
   <p:clrMapOvr>
-    <a:masterClrMapping/>
+    <a:overrideClrMapping bg1="lt1" tx1="dk1" bg2="lt2" tx2="dk2" accent1="accent1" accent2="accent2" accent3="accent3" accent4="accent4" accent5="accent5" accent6="accent6" hlink="hlink" folHlink="folHlink"/>
   </p:clrMapOvr>
 </p:sld>
 </file>
@@ -5024,7 +6168,7 @@
     </p:extLst>
   </p:cSld>
   <p:clrMapOvr>
-    <a:masterClrMapping/>
+    <a:overrideClrMapping bg1="lt1" tx1="dk1" bg2="lt2" tx2="dk2" accent1="accent1" accent2="accent2" accent3="accent3" accent4="accent4" accent5="accent5" accent6="accent6" hlink="hlink" folHlink="folHlink"/>
   </p:clrMapOvr>
 </p:sld>
 </file>
@@ -5549,4 +6693,348 @@
     </a:ext>
   </a:extLst>
 </a:theme>
+</file>
+
+<file path=ppt/theme/themeOverride1.xml><?xml version="1.0" encoding="utf-8"?>
+<a:themeOverride xmlns:a="http://schemas.openxmlformats.org/drawingml/2006/main">
+  <a:clrScheme name="Office">
+    <a:dk1>
+      <a:sysClr val="windowText" lastClr="000000"/>
+    </a:dk1>
+    <a:lt1>
+      <a:sysClr val="window" lastClr="FFFFFF"/>
+    </a:lt1>
+    <a:dk2>
+      <a:srgbClr val="44546A"/>
+    </a:dk2>
+    <a:lt2>
+      <a:srgbClr val="E7E6E6"/>
+    </a:lt2>
+    <a:accent1>
+      <a:srgbClr val="5B9BD5"/>
+    </a:accent1>
+    <a:accent2>
+      <a:srgbClr val="ED7D31"/>
+    </a:accent2>
+    <a:accent3>
+      <a:srgbClr val="A5A5A5"/>
+    </a:accent3>
+    <a:accent4>
+      <a:srgbClr val="FFC000"/>
+    </a:accent4>
+    <a:accent5>
+      <a:srgbClr val="4472C4"/>
+    </a:accent5>
+    <a:accent6>
+      <a:srgbClr val="70AD47"/>
+    </a:accent6>
+    <a:hlink>
+      <a:srgbClr val="0563C1"/>
+    </a:hlink>
+    <a:folHlink>
+      <a:srgbClr val="954F72"/>
+    </a:folHlink>
+  </a:clrScheme>
+</a:themeOverride>
+</file>
+
+<file path=ppt/theme/themeOverride2.xml><?xml version="1.0" encoding="utf-8"?>
+<a:themeOverride xmlns:a="http://schemas.openxmlformats.org/drawingml/2006/main">
+  <a:clrScheme name="Office">
+    <a:dk1>
+      <a:sysClr val="windowText" lastClr="000000"/>
+    </a:dk1>
+    <a:lt1>
+      <a:sysClr val="window" lastClr="FFFFFF"/>
+    </a:lt1>
+    <a:dk2>
+      <a:srgbClr val="44546A"/>
+    </a:dk2>
+    <a:lt2>
+      <a:srgbClr val="E7E6E6"/>
+    </a:lt2>
+    <a:accent1>
+      <a:srgbClr val="5B9BD5"/>
+    </a:accent1>
+    <a:accent2>
+      <a:srgbClr val="ED7D31"/>
+    </a:accent2>
+    <a:accent3>
+      <a:srgbClr val="A5A5A5"/>
+    </a:accent3>
+    <a:accent4>
+      <a:srgbClr val="FFC000"/>
+    </a:accent4>
+    <a:accent5>
+      <a:srgbClr val="4472C4"/>
+    </a:accent5>
+    <a:accent6>
+      <a:srgbClr val="70AD47"/>
+    </a:accent6>
+    <a:hlink>
+      <a:srgbClr val="0563C1"/>
+    </a:hlink>
+    <a:folHlink>
+      <a:srgbClr val="954F72"/>
+    </a:folHlink>
+  </a:clrScheme>
+</a:themeOverride>
+</file>
+
+<file path=ppt/theme/themeOverride3.xml><?xml version="1.0" encoding="utf-8"?>
+<a:themeOverride xmlns:a="http://schemas.openxmlformats.org/drawingml/2006/main">
+  <a:clrScheme name="Office">
+    <a:dk1>
+      <a:sysClr val="windowText" lastClr="000000"/>
+    </a:dk1>
+    <a:lt1>
+      <a:sysClr val="window" lastClr="FFFFFF"/>
+    </a:lt1>
+    <a:dk2>
+      <a:srgbClr val="44546A"/>
+    </a:dk2>
+    <a:lt2>
+      <a:srgbClr val="E7E6E6"/>
+    </a:lt2>
+    <a:accent1>
+      <a:srgbClr val="5B9BD5"/>
+    </a:accent1>
+    <a:accent2>
+      <a:srgbClr val="ED7D31"/>
+    </a:accent2>
+    <a:accent3>
+      <a:srgbClr val="A5A5A5"/>
+    </a:accent3>
+    <a:accent4>
+      <a:srgbClr val="FFC000"/>
+    </a:accent4>
+    <a:accent5>
+      <a:srgbClr val="4472C4"/>
+    </a:accent5>
+    <a:accent6>
+      <a:srgbClr val="70AD47"/>
+    </a:accent6>
+    <a:hlink>
+      <a:srgbClr val="0563C1"/>
+    </a:hlink>
+    <a:folHlink>
+      <a:srgbClr val="954F72"/>
+    </a:folHlink>
+  </a:clrScheme>
+</a:themeOverride>
+</file>
+
+<file path=ppt/theme/themeOverride4.xml><?xml version="1.0" encoding="utf-8"?>
+<a:themeOverride xmlns:a="http://schemas.openxmlformats.org/drawingml/2006/main">
+  <a:clrScheme name="Office">
+    <a:dk1>
+      <a:sysClr val="windowText" lastClr="000000"/>
+    </a:dk1>
+    <a:lt1>
+      <a:sysClr val="window" lastClr="FFFFFF"/>
+    </a:lt1>
+    <a:dk2>
+      <a:srgbClr val="44546A"/>
+    </a:dk2>
+    <a:lt2>
+      <a:srgbClr val="E7E6E6"/>
+    </a:lt2>
+    <a:accent1>
+      <a:srgbClr val="5B9BD5"/>
+    </a:accent1>
+    <a:accent2>
+      <a:srgbClr val="ED7D31"/>
+    </a:accent2>
+    <a:accent3>
+      <a:srgbClr val="A5A5A5"/>
+    </a:accent3>
+    <a:accent4>
+      <a:srgbClr val="FFC000"/>
+    </a:accent4>
+    <a:accent5>
+      <a:srgbClr val="4472C4"/>
+    </a:accent5>
+    <a:accent6>
+      <a:srgbClr val="70AD47"/>
+    </a:accent6>
+    <a:hlink>
+      <a:srgbClr val="0563C1"/>
+    </a:hlink>
+    <a:folHlink>
+      <a:srgbClr val="954F72"/>
+    </a:folHlink>
+  </a:clrScheme>
+</a:themeOverride>
+</file>
+
+<file path=ppt/theme/themeOverride5.xml><?xml version="1.0" encoding="utf-8"?>
+<a:themeOverride xmlns:a="http://schemas.openxmlformats.org/drawingml/2006/main">
+  <a:clrScheme name="Office">
+    <a:dk1>
+      <a:sysClr val="windowText" lastClr="000000"/>
+    </a:dk1>
+    <a:lt1>
+      <a:sysClr val="window" lastClr="FFFFFF"/>
+    </a:lt1>
+    <a:dk2>
+      <a:srgbClr val="44546A"/>
+    </a:dk2>
+    <a:lt2>
+      <a:srgbClr val="E7E6E6"/>
+    </a:lt2>
+    <a:accent1>
+      <a:srgbClr val="5B9BD5"/>
+    </a:accent1>
+    <a:accent2>
+      <a:srgbClr val="ED7D31"/>
+    </a:accent2>
+    <a:accent3>
+      <a:srgbClr val="A5A5A5"/>
+    </a:accent3>
+    <a:accent4>
+      <a:srgbClr val="FFC000"/>
+    </a:accent4>
+    <a:accent5>
+      <a:srgbClr val="4472C4"/>
+    </a:accent5>
+    <a:accent6>
+      <a:srgbClr val="70AD47"/>
+    </a:accent6>
+    <a:hlink>
+      <a:srgbClr val="0563C1"/>
+    </a:hlink>
+    <a:folHlink>
+      <a:srgbClr val="954F72"/>
+    </a:folHlink>
+  </a:clrScheme>
+</a:themeOverride>
+</file>
+
+<file path=ppt/theme/themeOverride6.xml><?xml version="1.0" encoding="utf-8"?>
+<a:themeOverride xmlns:a="http://schemas.openxmlformats.org/drawingml/2006/main">
+  <a:clrScheme name="Office">
+    <a:dk1>
+      <a:sysClr val="windowText" lastClr="000000"/>
+    </a:dk1>
+    <a:lt1>
+      <a:sysClr val="window" lastClr="FFFFFF"/>
+    </a:lt1>
+    <a:dk2>
+      <a:srgbClr val="44546A"/>
+    </a:dk2>
+    <a:lt2>
+      <a:srgbClr val="E7E6E6"/>
+    </a:lt2>
+    <a:accent1>
+      <a:srgbClr val="5B9BD5"/>
+    </a:accent1>
+    <a:accent2>
+      <a:srgbClr val="ED7D31"/>
+    </a:accent2>
+    <a:accent3>
+      <a:srgbClr val="A5A5A5"/>
+    </a:accent3>
+    <a:accent4>
+      <a:srgbClr val="FFC000"/>
+    </a:accent4>
+    <a:accent5>
+      <a:srgbClr val="4472C4"/>
+    </a:accent5>
+    <a:accent6>
+      <a:srgbClr val="70AD47"/>
+    </a:accent6>
+    <a:hlink>
+      <a:srgbClr val="0563C1"/>
+    </a:hlink>
+    <a:folHlink>
+      <a:srgbClr val="954F72"/>
+    </a:folHlink>
+  </a:clrScheme>
+</a:themeOverride>
+</file>
+
+<file path=ppt/theme/themeOverride7.xml><?xml version="1.0" encoding="utf-8"?>
+<a:themeOverride xmlns:a="http://schemas.openxmlformats.org/drawingml/2006/main">
+  <a:clrScheme name="Office">
+    <a:dk1>
+      <a:sysClr val="windowText" lastClr="000000"/>
+    </a:dk1>
+    <a:lt1>
+      <a:sysClr val="window" lastClr="FFFFFF"/>
+    </a:lt1>
+    <a:dk2>
+      <a:srgbClr val="44546A"/>
+    </a:dk2>
+    <a:lt2>
+      <a:srgbClr val="E7E6E6"/>
+    </a:lt2>
+    <a:accent1>
+      <a:srgbClr val="5B9BD5"/>
+    </a:accent1>
+    <a:accent2>
+      <a:srgbClr val="ED7D31"/>
+    </a:accent2>
+    <a:accent3>
+      <a:srgbClr val="A5A5A5"/>
+    </a:accent3>
+    <a:accent4>
+      <a:srgbClr val="FFC000"/>
+    </a:accent4>
+    <a:accent5>
+      <a:srgbClr val="4472C4"/>
+    </a:accent5>
+    <a:accent6>
+      <a:srgbClr val="70AD47"/>
+    </a:accent6>
+    <a:hlink>
+      <a:srgbClr val="0563C1"/>
+    </a:hlink>
+    <a:folHlink>
+      <a:srgbClr val="954F72"/>
+    </a:folHlink>
+  </a:clrScheme>
+</a:themeOverride>
+</file>
+
+<file path=ppt/theme/themeOverride8.xml><?xml version="1.0" encoding="utf-8"?>
+<a:themeOverride xmlns:a="http://schemas.openxmlformats.org/drawingml/2006/main">
+  <a:clrScheme name="Office">
+    <a:dk1>
+      <a:sysClr val="windowText" lastClr="000000"/>
+    </a:dk1>
+    <a:lt1>
+      <a:sysClr val="window" lastClr="FFFFFF"/>
+    </a:lt1>
+    <a:dk2>
+      <a:srgbClr val="44546A"/>
+    </a:dk2>
+    <a:lt2>
+      <a:srgbClr val="E7E6E6"/>
+    </a:lt2>
+    <a:accent1>
+      <a:srgbClr val="5B9BD5"/>
+    </a:accent1>
+    <a:accent2>
+      <a:srgbClr val="ED7D31"/>
+    </a:accent2>
+    <a:accent3>
+      <a:srgbClr val="A5A5A5"/>
+    </a:accent3>
+    <a:accent4>
+      <a:srgbClr val="FFC000"/>
+    </a:accent4>
+    <a:accent5>
+      <a:srgbClr val="4472C4"/>
+    </a:accent5>
+    <a:accent6>
+      <a:srgbClr val="70AD47"/>
+    </a:accent6>
+    <a:hlink>
+      <a:srgbClr val="0563C1"/>
+    </a:hlink>
+    <a:folHlink>
+      <a:srgbClr val="954F72"/>
+    </a:folHlink>
+  </a:clrScheme>
+</a:themeOverride>
 </file>